--- a/document/Final_PPT_Learning Managemt System..pptx
+++ b/document/Final_PPT_Learning Managemt System..pptx
@@ -423,7 +423,7 @@
           <p:cNvPr id="15" name="Image 0" descr="preencoded.png">
             <a:extLst>
               <a:ext uri="{FF2B5EF4-FFF2-40B4-BE49-F238E27FC236}">
-                <a16:creationId xmlns:a16="http://schemas.microsoft.com/office/drawing/2014/main" xmlns="" id="{BA5D5A72-CB6F-F8DE-E2C9-90459C8C3DC1}"/>
+                <a16:creationId xmlns="" xmlns:a16="http://schemas.microsoft.com/office/drawing/2014/main" id="{BA5D5A72-CB6F-F8DE-E2C9-90459C8C3DC1}"/>
               </a:ext>
             </a:extLst>
           </p:cNvPr>
@@ -505,7 +505,7 @@
           <p:cNvPr id="20" name="Freeform: Shape 19">
             <a:extLst>
               <a:ext uri="{FF2B5EF4-FFF2-40B4-BE49-F238E27FC236}">
-                <a16:creationId xmlns:a16="http://schemas.microsoft.com/office/drawing/2014/main" xmlns="" id="{E66FD7FF-2869-7902-36B2-2B229AB9AB19}"/>
+                <a16:creationId xmlns="" xmlns:a16="http://schemas.microsoft.com/office/drawing/2014/main" id="{E66FD7FF-2869-7902-36B2-2B229AB9AB19}"/>
               </a:ext>
             </a:extLst>
           </p:cNvPr>
@@ -615,7 +615,7 @@
           <p:cNvPr id="18" name="Freeform: Shape 17">
             <a:extLst>
               <a:ext uri="{FF2B5EF4-FFF2-40B4-BE49-F238E27FC236}">
-                <a16:creationId xmlns:a16="http://schemas.microsoft.com/office/drawing/2014/main" xmlns="" id="{B1457C88-4472-81CF-02AF-4421E0A3084B}"/>
+                <a16:creationId xmlns="" xmlns:a16="http://schemas.microsoft.com/office/drawing/2014/main" id="{B1457C88-4472-81CF-02AF-4421E0A3084B}"/>
               </a:ext>
             </a:extLst>
           </p:cNvPr>
@@ -850,7 +850,7 @@
           <p:cNvPr id="16" name="Rectangle 15">
             <a:extLst>
               <a:ext uri="{FF2B5EF4-FFF2-40B4-BE49-F238E27FC236}">
-                <a16:creationId xmlns:a16="http://schemas.microsoft.com/office/drawing/2014/main" xmlns="" id="{B950ED98-B5D1-206C-403F-FA954F9D2CFF}"/>
+                <a16:creationId xmlns="" xmlns:a16="http://schemas.microsoft.com/office/drawing/2014/main" id="{B950ED98-B5D1-206C-403F-FA954F9D2CFF}"/>
               </a:ext>
             </a:extLst>
           </p:cNvPr>
@@ -899,7 +899,7 @@
           <p:cNvPr id="18" name="Rectangle 17">
             <a:extLst>
               <a:ext uri="{FF2B5EF4-FFF2-40B4-BE49-F238E27FC236}">
-                <a16:creationId xmlns:a16="http://schemas.microsoft.com/office/drawing/2014/main" xmlns="" id="{0E8643CE-01D9-3E5E-15F6-20689F775F15}"/>
+                <a16:creationId xmlns="" xmlns:a16="http://schemas.microsoft.com/office/drawing/2014/main" id="{0E8643CE-01D9-3E5E-15F6-20689F775F15}"/>
               </a:ext>
             </a:extLst>
           </p:cNvPr>
@@ -954,7 +954,7 @@
           <p:cNvPr id="20" name="Rectangle 19">
             <a:extLst>
               <a:ext uri="{FF2B5EF4-FFF2-40B4-BE49-F238E27FC236}">
-                <a16:creationId xmlns:a16="http://schemas.microsoft.com/office/drawing/2014/main" xmlns="" id="{5AF82DDD-EDEC-7D87-F43A-113C5E4A4FE7}"/>
+                <a16:creationId xmlns="" xmlns:a16="http://schemas.microsoft.com/office/drawing/2014/main" id="{5AF82DDD-EDEC-7D87-F43A-113C5E4A4FE7}"/>
               </a:ext>
             </a:extLst>
           </p:cNvPr>
@@ -1003,7 +1003,7 @@
           <p:cNvPr id="22" name="Rectangle 21">
             <a:extLst>
               <a:ext uri="{FF2B5EF4-FFF2-40B4-BE49-F238E27FC236}">
-                <a16:creationId xmlns:a16="http://schemas.microsoft.com/office/drawing/2014/main" xmlns="" id="{E47E492E-967F-54B7-55B1-08A5E1C3615B}"/>
+                <a16:creationId xmlns="" xmlns:a16="http://schemas.microsoft.com/office/drawing/2014/main" id="{E47E492E-967F-54B7-55B1-08A5E1C3615B}"/>
               </a:ext>
             </a:extLst>
           </p:cNvPr>
@@ -1052,7 +1052,7 @@
           <p:cNvPr id="24" name="Rectangle 23">
             <a:extLst>
               <a:ext uri="{FF2B5EF4-FFF2-40B4-BE49-F238E27FC236}">
-                <a16:creationId xmlns:a16="http://schemas.microsoft.com/office/drawing/2014/main" xmlns="" id="{DC0053FE-E44A-CA97-F782-67FC633E722E}"/>
+                <a16:creationId xmlns="" xmlns:a16="http://schemas.microsoft.com/office/drawing/2014/main" id="{DC0053FE-E44A-CA97-F782-67FC633E722E}"/>
               </a:ext>
             </a:extLst>
           </p:cNvPr>
@@ -1107,7 +1107,7 @@
           <p:cNvPr id="2" name="Title 1">
             <a:extLst>
               <a:ext uri="{FF2B5EF4-FFF2-40B4-BE49-F238E27FC236}">
-                <a16:creationId xmlns:a16="http://schemas.microsoft.com/office/drawing/2014/main" xmlns="" id="{67445A0A-815D-3414-088B-C041E6742DBE}"/>
+                <a16:creationId xmlns="" xmlns:a16="http://schemas.microsoft.com/office/drawing/2014/main" id="{67445A0A-815D-3414-088B-C041E6742DBE}"/>
               </a:ext>
             </a:extLst>
           </p:cNvPr>
@@ -1150,7 +1150,7 @@
           <p:cNvPr id="4" name="Footer Placeholder 3">
             <a:extLst>
               <a:ext uri="{FF2B5EF4-FFF2-40B4-BE49-F238E27FC236}">
-                <a16:creationId xmlns:a16="http://schemas.microsoft.com/office/drawing/2014/main" xmlns="" id="{317B5E29-6335-83BC-FA01-FAE422D2658B}"/>
+                <a16:creationId xmlns="" xmlns:a16="http://schemas.microsoft.com/office/drawing/2014/main" id="{317B5E29-6335-83BC-FA01-FAE422D2658B}"/>
               </a:ext>
             </a:extLst>
           </p:cNvPr>
@@ -1181,7 +1181,7 @@
           <p:cNvPr id="5" name="Slide Number Placeholder 4">
             <a:extLst>
               <a:ext uri="{FF2B5EF4-FFF2-40B4-BE49-F238E27FC236}">
-                <a16:creationId xmlns:a16="http://schemas.microsoft.com/office/drawing/2014/main" xmlns="" id="{536476D1-B61A-E9FD-E266-768B405CC30B}"/>
+                <a16:creationId xmlns="" xmlns:a16="http://schemas.microsoft.com/office/drawing/2014/main" id="{536476D1-B61A-E9FD-E266-768B405CC30B}"/>
               </a:ext>
             </a:extLst>
           </p:cNvPr>
@@ -1213,7 +1213,7 @@
           <p:cNvPr id="46" name="Text Placeholder 2">
             <a:extLst>
               <a:ext uri="{FF2B5EF4-FFF2-40B4-BE49-F238E27FC236}">
-                <a16:creationId xmlns:a16="http://schemas.microsoft.com/office/drawing/2014/main" xmlns="" id="{C025625F-8274-840F-6DD8-D36687CB8F7E}"/>
+                <a16:creationId xmlns="" xmlns:a16="http://schemas.microsoft.com/office/drawing/2014/main" id="{C025625F-8274-840F-6DD8-D36687CB8F7E}"/>
               </a:ext>
             </a:extLst>
           </p:cNvPr>
@@ -1304,7 +1304,7 @@
           <p:cNvPr id="64" name="Picture Placeholder 62">
             <a:extLst>
               <a:ext uri="{FF2B5EF4-FFF2-40B4-BE49-F238E27FC236}">
-                <a16:creationId xmlns:a16="http://schemas.microsoft.com/office/drawing/2014/main" xmlns="" id="{2F18FBB7-2D21-7954-1324-C7D3BFE5C85D}"/>
+                <a16:creationId xmlns="" xmlns:a16="http://schemas.microsoft.com/office/drawing/2014/main" id="{2F18FBB7-2D21-7954-1324-C7D3BFE5C85D}"/>
               </a:ext>
             </a:extLst>
           </p:cNvPr>
@@ -1351,7 +1351,7 @@
           <p:cNvPr id="52" name="Text Placeholder 51">
             <a:extLst>
               <a:ext uri="{FF2B5EF4-FFF2-40B4-BE49-F238E27FC236}">
-                <a16:creationId xmlns:a16="http://schemas.microsoft.com/office/drawing/2014/main" xmlns="" id="{2EF54C35-5F8E-4E0A-AB4D-97E38121910A}"/>
+                <a16:creationId xmlns="" xmlns:a16="http://schemas.microsoft.com/office/drawing/2014/main" id="{2EF54C35-5F8E-4E0A-AB4D-97E38121910A}"/>
               </a:ext>
             </a:extLst>
           </p:cNvPr>
@@ -1399,7 +1399,7 @@
           <p:cNvPr id="47" name="Text Placeholder 4">
             <a:extLst>
               <a:ext uri="{FF2B5EF4-FFF2-40B4-BE49-F238E27FC236}">
-                <a16:creationId xmlns:a16="http://schemas.microsoft.com/office/drawing/2014/main" xmlns="" id="{79F9AD31-B0C5-3563-C73A-8B6297FCFD1C}"/>
+                <a16:creationId xmlns="" xmlns:a16="http://schemas.microsoft.com/office/drawing/2014/main" id="{79F9AD31-B0C5-3563-C73A-8B6297FCFD1C}"/>
               </a:ext>
             </a:extLst>
           </p:cNvPr>
@@ -1490,7 +1490,7 @@
           <p:cNvPr id="68" name="Picture Placeholder 62">
             <a:extLst>
               <a:ext uri="{FF2B5EF4-FFF2-40B4-BE49-F238E27FC236}">
-                <a16:creationId xmlns:a16="http://schemas.microsoft.com/office/drawing/2014/main" xmlns="" id="{05E8E8EF-4954-870B-04E5-82BC660A6738}"/>
+                <a16:creationId xmlns="" xmlns:a16="http://schemas.microsoft.com/office/drawing/2014/main" id="{05E8E8EF-4954-870B-04E5-82BC660A6738}"/>
               </a:ext>
             </a:extLst>
           </p:cNvPr>
@@ -1537,7 +1537,7 @@
           <p:cNvPr id="58" name="Text Placeholder 51">
             <a:extLst>
               <a:ext uri="{FF2B5EF4-FFF2-40B4-BE49-F238E27FC236}">
-                <a16:creationId xmlns:a16="http://schemas.microsoft.com/office/drawing/2014/main" xmlns="" id="{75981CD1-EA26-D1CF-F19E-B58C16BA8A69}"/>
+                <a16:creationId xmlns="" xmlns:a16="http://schemas.microsoft.com/office/drawing/2014/main" id="{75981CD1-EA26-D1CF-F19E-B58C16BA8A69}"/>
               </a:ext>
             </a:extLst>
           </p:cNvPr>
@@ -1585,7 +1585,7 @@
           <p:cNvPr id="48" name="Text Placeholder 4">
             <a:extLst>
               <a:ext uri="{FF2B5EF4-FFF2-40B4-BE49-F238E27FC236}">
-                <a16:creationId xmlns:a16="http://schemas.microsoft.com/office/drawing/2014/main" xmlns="" id="{3A09BBD1-5CBC-B0EF-71C0-054FCB989BC6}"/>
+                <a16:creationId xmlns="" xmlns:a16="http://schemas.microsoft.com/office/drawing/2014/main" id="{3A09BBD1-5CBC-B0EF-71C0-054FCB989BC6}"/>
               </a:ext>
             </a:extLst>
           </p:cNvPr>
@@ -1676,7 +1676,7 @@
           <p:cNvPr id="67" name="Picture Placeholder 62">
             <a:extLst>
               <a:ext uri="{FF2B5EF4-FFF2-40B4-BE49-F238E27FC236}">
-                <a16:creationId xmlns:a16="http://schemas.microsoft.com/office/drawing/2014/main" xmlns="" id="{4AD0C8C9-DB5A-6DC8-2729-A21F1A5CF174}"/>
+                <a16:creationId xmlns="" xmlns:a16="http://schemas.microsoft.com/office/drawing/2014/main" id="{4AD0C8C9-DB5A-6DC8-2729-A21F1A5CF174}"/>
               </a:ext>
             </a:extLst>
           </p:cNvPr>
@@ -1723,7 +1723,7 @@
           <p:cNvPr id="59" name="Text Placeholder 51">
             <a:extLst>
               <a:ext uri="{FF2B5EF4-FFF2-40B4-BE49-F238E27FC236}">
-                <a16:creationId xmlns:a16="http://schemas.microsoft.com/office/drawing/2014/main" xmlns="" id="{F02DE2DC-F65C-32A5-5821-89FB2F53C325}"/>
+                <a16:creationId xmlns="" xmlns:a16="http://schemas.microsoft.com/office/drawing/2014/main" id="{F02DE2DC-F65C-32A5-5821-89FB2F53C325}"/>
               </a:ext>
             </a:extLst>
           </p:cNvPr>
@@ -1771,7 +1771,7 @@
           <p:cNvPr id="49" name="Text Placeholder 4">
             <a:extLst>
               <a:ext uri="{FF2B5EF4-FFF2-40B4-BE49-F238E27FC236}">
-                <a16:creationId xmlns:a16="http://schemas.microsoft.com/office/drawing/2014/main" xmlns="" id="{084A0326-A0B8-1723-B8BA-B015344F2DCE}"/>
+                <a16:creationId xmlns="" xmlns:a16="http://schemas.microsoft.com/office/drawing/2014/main" id="{084A0326-A0B8-1723-B8BA-B015344F2DCE}"/>
               </a:ext>
             </a:extLst>
           </p:cNvPr>
@@ -1862,7 +1862,7 @@
           <p:cNvPr id="66" name="Picture Placeholder 62">
             <a:extLst>
               <a:ext uri="{FF2B5EF4-FFF2-40B4-BE49-F238E27FC236}">
-                <a16:creationId xmlns:a16="http://schemas.microsoft.com/office/drawing/2014/main" xmlns="" id="{139354A0-F5DF-3AC5-5E8B-A41146C26F3C}"/>
+                <a16:creationId xmlns="" xmlns:a16="http://schemas.microsoft.com/office/drawing/2014/main" id="{139354A0-F5DF-3AC5-5E8B-A41146C26F3C}"/>
               </a:ext>
             </a:extLst>
           </p:cNvPr>
@@ -1909,7 +1909,7 @@
           <p:cNvPr id="60" name="Text Placeholder 51">
             <a:extLst>
               <a:ext uri="{FF2B5EF4-FFF2-40B4-BE49-F238E27FC236}">
-                <a16:creationId xmlns:a16="http://schemas.microsoft.com/office/drawing/2014/main" xmlns="" id="{E9730E82-F317-686A-8777-D81705BCC706}"/>
+                <a16:creationId xmlns="" xmlns:a16="http://schemas.microsoft.com/office/drawing/2014/main" id="{E9730E82-F317-686A-8777-D81705BCC706}"/>
               </a:ext>
             </a:extLst>
           </p:cNvPr>
@@ -1957,7 +1957,7 @@
           <p:cNvPr id="50" name="Text Placeholder 4">
             <a:extLst>
               <a:ext uri="{FF2B5EF4-FFF2-40B4-BE49-F238E27FC236}">
-                <a16:creationId xmlns:a16="http://schemas.microsoft.com/office/drawing/2014/main" xmlns="" id="{0E3B57F3-1903-446F-D989-D6CA342D0861}"/>
+                <a16:creationId xmlns="" xmlns:a16="http://schemas.microsoft.com/office/drawing/2014/main" id="{0E3B57F3-1903-446F-D989-D6CA342D0861}"/>
               </a:ext>
             </a:extLst>
           </p:cNvPr>
@@ -2048,7 +2048,7 @@
           <p:cNvPr id="65" name="Picture Placeholder 62">
             <a:extLst>
               <a:ext uri="{FF2B5EF4-FFF2-40B4-BE49-F238E27FC236}">
-                <a16:creationId xmlns:a16="http://schemas.microsoft.com/office/drawing/2014/main" xmlns="" id="{D5BF3A8A-72F1-392E-855B-5B36E244A7FD}"/>
+                <a16:creationId xmlns="" xmlns:a16="http://schemas.microsoft.com/office/drawing/2014/main" id="{D5BF3A8A-72F1-392E-855B-5B36E244A7FD}"/>
               </a:ext>
             </a:extLst>
           </p:cNvPr>
@@ -2095,7 +2095,7 @@
           <p:cNvPr id="61" name="Text Placeholder 51">
             <a:extLst>
               <a:ext uri="{FF2B5EF4-FFF2-40B4-BE49-F238E27FC236}">
-                <a16:creationId xmlns:a16="http://schemas.microsoft.com/office/drawing/2014/main" xmlns="" id="{2AED5DDC-3165-FA12-0310-E3545223E292}"/>
+                <a16:creationId xmlns="" xmlns:a16="http://schemas.microsoft.com/office/drawing/2014/main" id="{2AED5DDC-3165-FA12-0310-E3545223E292}"/>
               </a:ext>
             </a:extLst>
           </p:cNvPr>
@@ -2173,7 +2173,7 @@
           <p:cNvPr id="29" name="Freeform: Shape 28">
             <a:extLst>
               <a:ext uri="{FF2B5EF4-FFF2-40B4-BE49-F238E27FC236}">
-                <a16:creationId xmlns:a16="http://schemas.microsoft.com/office/drawing/2014/main" xmlns="" id="{E2DECB02-D9CE-E57A-0604-BFF41EC38AFA}"/>
+                <a16:creationId xmlns="" xmlns:a16="http://schemas.microsoft.com/office/drawing/2014/main" id="{E2DECB02-D9CE-E57A-0604-BFF41EC38AFA}"/>
               </a:ext>
             </a:extLst>
           </p:cNvPr>
@@ -2293,7 +2293,7 @@
           <p:cNvPr id="26" name="Freeform: Shape 25">
             <a:extLst>
               <a:ext uri="{FF2B5EF4-FFF2-40B4-BE49-F238E27FC236}">
-                <a16:creationId xmlns:a16="http://schemas.microsoft.com/office/drawing/2014/main" xmlns="" id="{68E760EA-7D83-1DF2-A8EE-4F218084E74F}"/>
+                <a16:creationId xmlns="" xmlns:a16="http://schemas.microsoft.com/office/drawing/2014/main" id="{68E760EA-7D83-1DF2-A8EE-4F218084E74F}"/>
               </a:ext>
             </a:extLst>
           </p:cNvPr>
@@ -2391,7 +2391,7 @@
           <p:cNvPr id="16" name="Freeform: Shape 15">
             <a:extLst>
               <a:ext uri="{FF2B5EF4-FFF2-40B4-BE49-F238E27FC236}">
-                <a16:creationId xmlns:a16="http://schemas.microsoft.com/office/drawing/2014/main" xmlns="" id="{FF3F3353-78A1-F584-81A6-9513382DF18F}"/>
+                <a16:creationId xmlns="" xmlns:a16="http://schemas.microsoft.com/office/drawing/2014/main" id="{FF3F3353-78A1-F584-81A6-9513382DF18F}"/>
               </a:ext>
             </a:extLst>
           </p:cNvPr>
@@ -2489,7 +2489,7 @@
           <p:cNvPr id="2" name="Title 1">
             <a:extLst>
               <a:ext uri="{FF2B5EF4-FFF2-40B4-BE49-F238E27FC236}">
-                <a16:creationId xmlns:a16="http://schemas.microsoft.com/office/drawing/2014/main" xmlns="" id="{A65C6DDD-D2BB-0153-0F53-9F7C17BDFD2B}"/>
+                <a16:creationId xmlns="" xmlns:a16="http://schemas.microsoft.com/office/drawing/2014/main" id="{A65C6DDD-D2BB-0153-0F53-9F7C17BDFD2B}"/>
               </a:ext>
             </a:extLst>
           </p:cNvPr>
@@ -2529,7 +2529,7 @@
           <p:cNvPr id="5" name="Slide Number Placeholder 4">
             <a:extLst>
               <a:ext uri="{FF2B5EF4-FFF2-40B4-BE49-F238E27FC236}">
-                <a16:creationId xmlns:a16="http://schemas.microsoft.com/office/drawing/2014/main" xmlns="" id="{471A846E-CBB1-9805-456D-0C0B890912B7}"/>
+                <a16:creationId xmlns="" xmlns:a16="http://schemas.microsoft.com/office/drawing/2014/main" id="{471A846E-CBB1-9805-456D-0C0B890912B7}"/>
               </a:ext>
             </a:extLst>
           </p:cNvPr>
@@ -2559,7 +2559,7 @@
           <p:cNvPr id="30" name="Image 2" descr="preencoded.png">
             <a:extLst>
               <a:ext uri="{FF2B5EF4-FFF2-40B4-BE49-F238E27FC236}">
-                <a16:creationId xmlns:a16="http://schemas.microsoft.com/office/drawing/2014/main" xmlns="" id="{790E862E-398F-571C-EC2C-3D17164DE059}"/>
+                <a16:creationId xmlns="" xmlns:a16="http://schemas.microsoft.com/office/drawing/2014/main" id="{790E862E-398F-571C-EC2C-3D17164DE059}"/>
               </a:ext>
             </a:extLst>
           </p:cNvPr>
@@ -2655,7 +2655,7 @@
           <p:cNvPr id="31" name="Text Placeholder 2">
             <a:extLst>
               <a:ext uri="{FF2B5EF4-FFF2-40B4-BE49-F238E27FC236}">
-                <a16:creationId xmlns:a16="http://schemas.microsoft.com/office/drawing/2014/main" xmlns="" id="{AB1DF8DE-0EED-2627-4B5E-266C0BC276BE}"/>
+                <a16:creationId xmlns="" xmlns:a16="http://schemas.microsoft.com/office/drawing/2014/main" id="{AB1DF8DE-0EED-2627-4B5E-266C0BC276BE}"/>
               </a:ext>
             </a:extLst>
           </p:cNvPr>
@@ -2746,7 +2746,7 @@
           <p:cNvPr id="32" name="Text Placeholder 4">
             <a:extLst>
               <a:ext uri="{FF2B5EF4-FFF2-40B4-BE49-F238E27FC236}">
-                <a16:creationId xmlns:a16="http://schemas.microsoft.com/office/drawing/2014/main" xmlns="" id="{5AE99EEE-38C4-CB2D-EEA0-8A2EB6F129E4}"/>
+                <a16:creationId xmlns="" xmlns:a16="http://schemas.microsoft.com/office/drawing/2014/main" id="{5AE99EEE-38C4-CB2D-EEA0-8A2EB6F129E4}"/>
               </a:ext>
             </a:extLst>
           </p:cNvPr>
@@ -2837,7 +2837,7 @@
           <p:cNvPr id="33" name="Text Placeholder 4">
             <a:extLst>
               <a:ext uri="{FF2B5EF4-FFF2-40B4-BE49-F238E27FC236}">
-                <a16:creationId xmlns:a16="http://schemas.microsoft.com/office/drawing/2014/main" xmlns="" id="{AA90F0AE-69F4-EBD3-AED1-81E98D34811D}"/>
+                <a16:creationId xmlns="" xmlns:a16="http://schemas.microsoft.com/office/drawing/2014/main" id="{AA90F0AE-69F4-EBD3-AED1-81E98D34811D}"/>
               </a:ext>
             </a:extLst>
           </p:cNvPr>
@@ -2928,7 +2928,7 @@
           <p:cNvPr id="34" name="Text Placeholder 4">
             <a:extLst>
               <a:ext uri="{FF2B5EF4-FFF2-40B4-BE49-F238E27FC236}">
-                <a16:creationId xmlns:a16="http://schemas.microsoft.com/office/drawing/2014/main" xmlns="" id="{F9E49243-B04A-D7AF-B4C7-8E1AE776F811}"/>
+                <a16:creationId xmlns="" xmlns:a16="http://schemas.microsoft.com/office/drawing/2014/main" id="{F9E49243-B04A-D7AF-B4C7-8E1AE776F811}"/>
               </a:ext>
             </a:extLst>
           </p:cNvPr>
@@ -3019,7 +3019,7 @@
           <p:cNvPr id="35" name="Text Placeholder 4">
             <a:extLst>
               <a:ext uri="{FF2B5EF4-FFF2-40B4-BE49-F238E27FC236}">
-                <a16:creationId xmlns:a16="http://schemas.microsoft.com/office/drawing/2014/main" xmlns="" id="{4780DCD4-46DE-8C31-9F39-FC6E45FC1EBE}"/>
+                <a16:creationId xmlns="" xmlns:a16="http://schemas.microsoft.com/office/drawing/2014/main" id="{4780DCD4-46DE-8C31-9F39-FC6E45FC1EBE}"/>
               </a:ext>
             </a:extLst>
           </p:cNvPr>
@@ -3110,7 +3110,7 @@
           <p:cNvPr id="36" name="Text Placeholder 51">
             <a:extLst>
               <a:ext uri="{FF2B5EF4-FFF2-40B4-BE49-F238E27FC236}">
-                <a16:creationId xmlns:a16="http://schemas.microsoft.com/office/drawing/2014/main" xmlns="" id="{9FBDF935-4925-03EC-CBC9-1EBA90DF849B}"/>
+                <a16:creationId xmlns="" xmlns:a16="http://schemas.microsoft.com/office/drawing/2014/main" id="{9FBDF935-4925-03EC-CBC9-1EBA90DF849B}"/>
               </a:ext>
             </a:extLst>
           </p:cNvPr>
@@ -3155,7 +3155,7 @@
           <p:cNvPr id="37" name="Text Placeholder 51">
             <a:extLst>
               <a:ext uri="{FF2B5EF4-FFF2-40B4-BE49-F238E27FC236}">
-                <a16:creationId xmlns:a16="http://schemas.microsoft.com/office/drawing/2014/main" xmlns="" id="{9BB76AA7-442D-54A7-D075-C67F47438963}"/>
+                <a16:creationId xmlns="" xmlns:a16="http://schemas.microsoft.com/office/drawing/2014/main" id="{9BB76AA7-442D-54A7-D075-C67F47438963}"/>
               </a:ext>
             </a:extLst>
           </p:cNvPr>
@@ -3200,7 +3200,7 @@
           <p:cNvPr id="38" name="Text Placeholder 51">
             <a:extLst>
               <a:ext uri="{FF2B5EF4-FFF2-40B4-BE49-F238E27FC236}">
-                <a16:creationId xmlns:a16="http://schemas.microsoft.com/office/drawing/2014/main" xmlns="" id="{9E419856-1586-F2D8-A1B4-F67FEE9839DF}"/>
+                <a16:creationId xmlns="" xmlns:a16="http://schemas.microsoft.com/office/drawing/2014/main" id="{9E419856-1586-F2D8-A1B4-F67FEE9839DF}"/>
               </a:ext>
             </a:extLst>
           </p:cNvPr>
@@ -3245,7 +3245,7 @@
           <p:cNvPr id="39" name="Text Placeholder 51">
             <a:extLst>
               <a:ext uri="{FF2B5EF4-FFF2-40B4-BE49-F238E27FC236}">
-                <a16:creationId xmlns:a16="http://schemas.microsoft.com/office/drawing/2014/main" xmlns="" id="{AED74DD2-EAE3-76BF-56B9-C04FCED1F2DB}"/>
+                <a16:creationId xmlns="" xmlns:a16="http://schemas.microsoft.com/office/drawing/2014/main" id="{AED74DD2-EAE3-76BF-56B9-C04FCED1F2DB}"/>
               </a:ext>
             </a:extLst>
           </p:cNvPr>
@@ -3290,7 +3290,7 @@
           <p:cNvPr id="40" name="Text Placeholder 51">
             <a:extLst>
               <a:ext uri="{FF2B5EF4-FFF2-40B4-BE49-F238E27FC236}">
-                <a16:creationId xmlns:a16="http://schemas.microsoft.com/office/drawing/2014/main" xmlns="" id="{0A39AD48-2F98-C0C9-DE08-CED7EBF816B2}"/>
+                <a16:creationId xmlns="" xmlns:a16="http://schemas.microsoft.com/office/drawing/2014/main" id="{0A39AD48-2F98-C0C9-DE08-CED7EBF816B2}"/>
               </a:ext>
             </a:extLst>
           </p:cNvPr>
@@ -3335,7 +3335,7 @@
           <p:cNvPr id="42" name="Straight Connector 41">
             <a:extLst>
               <a:ext uri="{FF2B5EF4-FFF2-40B4-BE49-F238E27FC236}">
-                <a16:creationId xmlns:a16="http://schemas.microsoft.com/office/drawing/2014/main" xmlns="" id="{E6BE61D7-B0A3-902B-4F58-727982880EF5}"/>
+                <a16:creationId xmlns="" xmlns:a16="http://schemas.microsoft.com/office/drawing/2014/main" id="{E6BE61D7-B0A3-902B-4F58-727982880EF5}"/>
               </a:ext>
             </a:extLst>
           </p:cNvPr>
@@ -3411,7 +3411,7 @@
           <p:cNvPr id="20" name="Title 19">
             <a:extLst>
               <a:ext uri="{FF2B5EF4-FFF2-40B4-BE49-F238E27FC236}">
-                <a16:creationId xmlns:a16="http://schemas.microsoft.com/office/drawing/2014/main" xmlns="" id="{C26B5661-F583-FA44-8353-161B862E69B1}"/>
+                <a16:creationId xmlns="" xmlns:a16="http://schemas.microsoft.com/office/drawing/2014/main" id="{C26B5661-F583-FA44-8353-161B862E69B1}"/>
               </a:ext>
             </a:extLst>
           </p:cNvPr>
@@ -3454,7 +3454,7 @@
           <p:cNvPr id="11" name="Image 0" descr="preencoded.png">
             <a:extLst>
               <a:ext uri="{FF2B5EF4-FFF2-40B4-BE49-F238E27FC236}">
-                <a16:creationId xmlns:a16="http://schemas.microsoft.com/office/drawing/2014/main" xmlns="" id="{CD2D664E-6702-6607-A37E-2E996144917C}"/>
+                <a16:creationId xmlns="" xmlns:a16="http://schemas.microsoft.com/office/drawing/2014/main" id="{CD2D664E-6702-6607-A37E-2E996144917C}"/>
               </a:ext>
             </a:extLst>
           </p:cNvPr>
@@ -3544,7 +3544,7 @@
           <p:cNvPr id="13" name="Image 1" descr="preencoded.png">
             <a:extLst>
               <a:ext uri="{FF2B5EF4-FFF2-40B4-BE49-F238E27FC236}">
-                <a16:creationId xmlns:a16="http://schemas.microsoft.com/office/drawing/2014/main" xmlns="" id="{951C5737-DF7E-D671-AC74-9E488335BCA2}"/>
+                <a16:creationId xmlns="" xmlns:a16="http://schemas.microsoft.com/office/drawing/2014/main" id="{951C5737-DF7E-D671-AC74-9E488335BCA2}"/>
               </a:ext>
             </a:extLst>
           </p:cNvPr>
@@ -3560,7 +3560,7 @@
                 <a14:useLocalDpi xmlns:a14="http://schemas.microsoft.com/office/drawing/2010/main"/>
               </a:ext>
               <a:ext uri="{96DAC541-7B7A-43D3-8B79-37D633B846F1}">
-                <asvg:svgBlip xmlns:asvg="http://schemas.microsoft.com/office/drawing/2016/SVG/main" xmlns="" r:embed="rId3"/>
+                <asvg:svgBlip xmlns="" xmlns:asvg="http://schemas.microsoft.com/office/drawing/2016/SVG/main" r:embed="rId3"/>
               </a:ext>
             </a:extLst>
           </a:blip>
@@ -3582,7 +3582,7 @@
           <p:cNvPr id="39" name="Freeform: Shape 38">
             <a:extLst>
               <a:ext uri="{FF2B5EF4-FFF2-40B4-BE49-F238E27FC236}">
-                <a16:creationId xmlns:a16="http://schemas.microsoft.com/office/drawing/2014/main" xmlns="" id="{F232A1E1-DD38-15EA-6CA1-A84950EC43F0}"/>
+                <a16:creationId xmlns="" xmlns:a16="http://schemas.microsoft.com/office/drawing/2014/main" id="{F232A1E1-DD38-15EA-6CA1-A84950EC43F0}"/>
               </a:ext>
             </a:extLst>
           </p:cNvPr>
@@ -4436,7 +4436,7 @@
           <p:cNvPr id="17" name="Image 5" descr="preencoded.png">
             <a:extLst>
               <a:ext uri="{FF2B5EF4-FFF2-40B4-BE49-F238E27FC236}">
-                <a16:creationId xmlns:a16="http://schemas.microsoft.com/office/drawing/2014/main" xmlns="" id="{B9036D42-A06F-E6EE-BB91-8BAF045198BE}"/>
+                <a16:creationId xmlns="" xmlns:a16="http://schemas.microsoft.com/office/drawing/2014/main" id="{B9036D42-A06F-E6EE-BB91-8BAF045198BE}"/>
               </a:ext>
             </a:extLst>
           </p:cNvPr>
@@ -4534,7 +4534,7 @@
           <p:cNvPr id="19" name="Image 6" descr="preencoded.png">
             <a:extLst>
               <a:ext uri="{FF2B5EF4-FFF2-40B4-BE49-F238E27FC236}">
-                <a16:creationId xmlns:a16="http://schemas.microsoft.com/office/drawing/2014/main" xmlns="" id="{86E0540C-3355-A50D-AC61-047B54B70C64}"/>
+                <a16:creationId xmlns="" xmlns:a16="http://schemas.microsoft.com/office/drawing/2014/main" id="{86E0540C-3355-A50D-AC61-047B54B70C64}"/>
               </a:ext>
             </a:extLst>
           </p:cNvPr>
@@ -4550,7 +4550,7 @@
                 <a14:useLocalDpi xmlns:a14="http://schemas.microsoft.com/office/drawing/2010/main"/>
               </a:ext>
               <a:ext uri="{96DAC541-7B7A-43D3-8B79-37D633B846F1}">
-                <asvg:svgBlip xmlns:asvg="http://schemas.microsoft.com/office/drawing/2016/SVG/main" xmlns="" r:embed="rId5"/>
+                <asvg:svgBlip xmlns="" xmlns:asvg="http://schemas.microsoft.com/office/drawing/2016/SVG/main" r:embed="rId5"/>
               </a:ext>
             </a:extLst>
           </a:blip>
@@ -4923,7 +4923,7 @@
           <p:cNvPr id="2" name="Title 1">
             <a:extLst>
               <a:ext uri="{FF2B5EF4-FFF2-40B4-BE49-F238E27FC236}">
-                <a16:creationId xmlns:a16="http://schemas.microsoft.com/office/drawing/2014/main" xmlns="" id="{67445A0A-815D-3414-088B-C041E6742DBE}"/>
+                <a16:creationId xmlns="" xmlns:a16="http://schemas.microsoft.com/office/drawing/2014/main" id="{67445A0A-815D-3414-088B-C041E6742DBE}"/>
               </a:ext>
             </a:extLst>
           </p:cNvPr>
@@ -4966,7 +4966,7 @@
           <p:cNvPr id="4" name="Footer Placeholder 3">
             <a:extLst>
               <a:ext uri="{FF2B5EF4-FFF2-40B4-BE49-F238E27FC236}">
-                <a16:creationId xmlns:a16="http://schemas.microsoft.com/office/drawing/2014/main" xmlns="" id="{317B5E29-6335-83BC-FA01-FAE422D2658B}"/>
+                <a16:creationId xmlns="" xmlns:a16="http://schemas.microsoft.com/office/drawing/2014/main" id="{317B5E29-6335-83BC-FA01-FAE422D2658B}"/>
               </a:ext>
             </a:extLst>
           </p:cNvPr>
@@ -4997,7 +4997,7 @@
           <p:cNvPr id="5" name="Slide Number Placeholder 4">
             <a:extLst>
               <a:ext uri="{FF2B5EF4-FFF2-40B4-BE49-F238E27FC236}">
-                <a16:creationId xmlns:a16="http://schemas.microsoft.com/office/drawing/2014/main" xmlns="" id="{536476D1-B61A-E9FD-E266-768B405CC30B}"/>
+                <a16:creationId xmlns="" xmlns:a16="http://schemas.microsoft.com/office/drawing/2014/main" id="{536476D1-B61A-E9FD-E266-768B405CC30B}"/>
               </a:ext>
             </a:extLst>
           </p:cNvPr>
@@ -5029,7 +5029,7 @@
           <p:cNvPr id="46" name="Text Placeholder 2">
             <a:extLst>
               <a:ext uri="{FF2B5EF4-FFF2-40B4-BE49-F238E27FC236}">
-                <a16:creationId xmlns:a16="http://schemas.microsoft.com/office/drawing/2014/main" xmlns="" id="{C025625F-8274-840F-6DD8-D36687CB8F7E}"/>
+                <a16:creationId xmlns="" xmlns:a16="http://schemas.microsoft.com/office/drawing/2014/main" id="{C025625F-8274-840F-6DD8-D36687CB8F7E}"/>
               </a:ext>
             </a:extLst>
           </p:cNvPr>
@@ -5120,7 +5120,7 @@
           <p:cNvPr id="64" name="Picture Placeholder 62">
             <a:extLst>
               <a:ext uri="{FF2B5EF4-FFF2-40B4-BE49-F238E27FC236}">
-                <a16:creationId xmlns:a16="http://schemas.microsoft.com/office/drawing/2014/main" xmlns="" id="{2F18FBB7-2D21-7954-1324-C7D3BFE5C85D}"/>
+                <a16:creationId xmlns="" xmlns:a16="http://schemas.microsoft.com/office/drawing/2014/main" id="{2F18FBB7-2D21-7954-1324-C7D3BFE5C85D}"/>
               </a:ext>
             </a:extLst>
           </p:cNvPr>
@@ -5167,7 +5167,7 @@
           <p:cNvPr id="52" name="Text Placeholder 51">
             <a:extLst>
               <a:ext uri="{FF2B5EF4-FFF2-40B4-BE49-F238E27FC236}">
-                <a16:creationId xmlns:a16="http://schemas.microsoft.com/office/drawing/2014/main" xmlns="" id="{2EF54C35-5F8E-4E0A-AB4D-97E38121910A}"/>
+                <a16:creationId xmlns="" xmlns:a16="http://schemas.microsoft.com/office/drawing/2014/main" id="{2EF54C35-5F8E-4E0A-AB4D-97E38121910A}"/>
               </a:ext>
             </a:extLst>
           </p:cNvPr>
@@ -5213,7 +5213,7 @@
           <p:cNvPr id="49" name="Text Placeholder 4">
             <a:extLst>
               <a:ext uri="{FF2B5EF4-FFF2-40B4-BE49-F238E27FC236}">
-                <a16:creationId xmlns:a16="http://schemas.microsoft.com/office/drawing/2014/main" xmlns="" id="{084A0326-A0B8-1723-B8BA-B015344F2DCE}"/>
+                <a16:creationId xmlns="" xmlns:a16="http://schemas.microsoft.com/office/drawing/2014/main" id="{084A0326-A0B8-1723-B8BA-B015344F2DCE}"/>
               </a:ext>
             </a:extLst>
           </p:cNvPr>
@@ -5304,7 +5304,7 @@
           <p:cNvPr id="66" name="Picture Placeholder 62">
             <a:extLst>
               <a:ext uri="{FF2B5EF4-FFF2-40B4-BE49-F238E27FC236}">
-                <a16:creationId xmlns:a16="http://schemas.microsoft.com/office/drawing/2014/main" xmlns="" id="{139354A0-F5DF-3AC5-5E8B-A41146C26F3C}"/>
+                <a16:creationId xmlns="" xmlns:a16="http://schemas.microsoft.com/office/drawing/2014/main" id="{139354A0-F5DF-3AC5-5E8B-A41146C26F3C}"/>
               </a:ext>
             </a:extLst>
           </p:cNvPr>
@@ -5351,7 +5351,7 @@
           <p:cNvPr id="60" name="Text Placeholder 51">
             <a:extLst>
               <a:ext uri="{FF2B5EF4-FFF2-40B4-BE49-F238E27FC236}">
-                <a16:creationId xmlns:a16="http://schemas.microsoft.com/office/drawing/2014/main" xmlns="" id="{E9730E82-F317-686A-8777-D81705BCC706}"/>
+                <a16:creationId xmlns="" xmlns:a16="http://schemas.microsoft.com/office/drawing/2014/main" id="{E9730E82-F317-686A-8777-D81705BCC706}"/>
               </a:ext>
             </a:extLst>
           </p:cNvPr>
@@ -5397,7 +5397,7 @@
           <p:cNvPr id="50" name="Text Placeholder 4">
             <a:extLst>
               <a:ext uri="{FF2B5EF4-FFF2-40B4-BE49-F238E27FC236}">
-                <a16:creationId xmlns:a16="http://schemas.microsoft.com/office/drawing/2014/main" xmlns="" id="{0E3B57F3-1903-446F-D989-D6CA342D0861}"/>
+                <a16:creationId xmlns="" xmlns:a16="http://schemas.microsoft.com/office/drawing/2014/main" id="{0E3B57F3-1903-446F-D989-D6CA342D0861}"/>
               </a:ext>
             </a:extLst>
           </p:cNvPr>
@@ -5488,7 +5488,7 @@
           <p:cNvPr id="65" name="Picture Placeholder 62">
             <a:extLst>
               <a:ext uri="{FF2B5EF4-FFF2-40B4-BE49-F238E27FC236}">
-                <a16:creationId xmlns:a16="http://schemas.microsoft.com/office/drawing/2014/main" xmlns="" id="{D5BF3A8A-72F1-392E-855B-5B36E244A7FD}"/>
+                <a16:creationId xmlns="" xmlns:a16="http://schemas.microsoft.com/office/drawing/2014/main" id="{D5BF3A8A-72F1-392E-855B-5B36E244A7FD}"/>
               </a:ext>
             </a:extLst>
           </p:cNvPr>
@@ -5535,7 +5535,7 @@
           <p:cNvPr id="61" name="Text Placeholder 51">
             <a:extLst>
               <a:ext uri="{FF2B5EF4-FFF2-40B4-BE49-F238E27FC236}">
-                <a16:creationId xmlns:a16="http://schemas.microsoft.com/office/drawing/2014/main" xmlns="" id="{2AED5DDC-3165-FA12-0310-E3545223E292}"/>
+                <a16:creationId xmlns="" xmlns:a16="http://schemas.microsoft.com/office/drawing/2014/main" id="{2AED5DDC-3165-FA12-0310-E3545223E292}"/>
               </a:ext>
             </a:extLst>
           </p:cNvPr>
@@ -5611,7 +5611,7 @@
           <p:cNvPr id="24" name="Image 2" descr="preencoded.png">
             <a:extLst>
               <a:ext uri="{FF2B5EF4-FFF2-40B4-BE49-F238E27FC236}">
-                <a16:creationId xmlns:a16="http://schemas.microsoft.com/office/drawing/2014/main" xmlns="" id="{ABC388A2-FFC7-1A87-02FB-C97B50161FD3}"/>
+                <a16:creationId xmlns="" xmlns:a16="http://schemas.microsoft.com/office/drawing/2014/main" id="{ABC388A2-FFC7-1A87-02FB-C97B50161FD3}"/>
               </a:ext>
             </a:extLst>
           </p:cNvPr>
@@ -5693,7 +5693,7 @@
           <p:cNvPr id="25" name="Image 3" descr="preencoded.png">
             <a:extLst>
               <a:ext uri="{FF2B5EF4-FFF2-40B4-BE49-F238E27FC236}">
-                <a16:creationId xmlns:a16="http://schemas.microsoft.com/office/drawing/2014/main" xmlns="" id="{D64C4994-B525-F4C0-B74F-D5E8296DFC43}"/>
+                <a16:creationId xmlns="" xmlns:a16="http://schemas.microsoft.com/office/drawing/2014/main" id="{D64C4994-B525-F4C0-B74F-D5E8296DFC43}"/>
               </a:ext>
             </a:extLst>
           </p:cNvPr>
@@ -5775,7 +5775,7 @@
           <p:cNvPr id="26" name="Image 4" descr="preencoded.png">
             <a:extLst>
               <a:ext uri="{FF2B5EF4-FFF2-40B4-BE49-F238E27FC236}">
-                <a16:creationId xmlns:a16="http://schemas.microsoft.com/office/drawing/2014/main" xmlns="" id="{9019DA73-2516-F3D2-ECDB-620C90483DB3}"/>
+                <a16:creationId xmlns="" xmlns:a16="http://schemas.microsoft.com/office/drawing/2014/main" id="{9019DA73-2516-F3D2-ECDB-620C90483DB3}"/>
               </a:ext>
             </a:extLst>
           </p:cNvPr>
@@ -5857,7 +5857,7 @@
           <p:cNvPr id="53" name="Image 7" descr="preencoded.png">
             <a:extLst>
               <a:ext uri="{FF2B5EF4-FFF2-40B4-BE49-F238E27FC236}">
-                <a16:creationId xmlns:a16="http://schemas.microsoft.com/office/drawing/2014/main" xmlns="" id="{FEA70E9F-C506-413C-11EF-5915A2296643}"/>
+                <a16:creationId xmlns="" xmlns:a16="http://schemas.microsoft.com/office/drawing/2014/main" id="{FEA70E9F-C506-413C-11EF-5915A2296643}"/>
               </a:ext>
             </a:extLst>
           </p:cNvPr>
@@ -5939,7 +5939,7 @@
           <p:cNvPr id="21" name="Image 2" descr="preencoded.png">
             <a:extLst>
               <a:ext uri="{FF2B5EF4-FFF2-40B4-BE49-F238E27FC236}">
-                <a16:creationId xmlns:a16="http://schemas.microsoft.com/office/drawing/2014/main" xmlns="" id="{A8B7F1F1-806C-8D65-7340-220A0C4653C8}"/>
+                <a16:creationId xmlns="" xmlns:a16="http://schemas.microsoft.com/office/drawing/2014/main" id="{A8B7F1F1-806C-8D65-7340-220A0C4653C8}"/>
               </a:ext>
             </a:extLst>
           </p:cNvPr>
@@ -5955,7 +5955,7 @@
                 <a14:useLocalDpi xmlns:a14="http://schemas.microsoft.com/office/drawing/2010/main"/>
               </a:ext>
               <a:ext uri="{96DAC541-7B7A-43D3-8B79-37D633B846F1}">
-                <asvg:svgBlip xmlns:asvg="http://schemas.microsoft.com/office/drawing/2016/SVG/main" xmlns="" r:embed="rId3"/>
+                <asvg:svgBlip xmlns="" xmlns:asvg="http://schemas.microsoft.com/office/drawing/2016/SVG/main" r:embed="rId3"/>
               </a:ext>
             </a:extLst>
           </a:blip>
@@ -5977,7 +5977,7 @@
           <p:cNvPr id="54" name="Image 2" descr="preencoded.png">
             <a:extLst>
               <a:ext uri="{FF2B5EF4-FFF2-40B4-BE49-F238E27FC236}">
-                <a16:creationId xmlns:a16="http://schemas.microsoft.com/office/drawing/2014/main" xmlns="" id="{F19C81EC-0322-58A2-C455-6E2C84D1E6E8}"/>
+                <a16:creationId xmlns="" xmlns:a16="http://schemas.microsoft.com/office/drawing/2014/main" id="{F19C81EC-0322-58A2-C455-6E2C84D1E6E8}"/>
               </a:ext>
             </a:extLst>
           </p:cNvPr>
@@ -6211,7 +6211,7 @@
           <p:cNvPr id="4" name="Footer Placeholder 3">
             <a:extLst>
               <a:ext uri="{FF2B5EF4-FFF2-40B4-BE49-F238E27FC236}">
-                <a16:creationId xmlns:a16="http://schemas.microsoft.com/office/drawing/2014/main" xmlns="" id="{E1F9FD95-086F-282B-820C-8CDAD4A6EEB6}"/>
+                <a16:creationId xmlns="" xmlns:a16="http://schemas.microsoft.com/office/drawing/2014/main" id="{E1F9FD95-086F-282B-820C-8CDAD4A6EEB6}"/>
               </a:ext>
             </a:extLst>
           </p:cNvPr>
@@ -6278,7 +6278,7 @@
           <p:cNvPr id="13" name="Freeform: Shape 12">
             <a:extLst>
               <a:ext uri="{FF2B5EF4-FFF2-40B4-BE49-F238E27FC236}">
-                <a16:creationId xmlns:a16="http://schemas.microsoft.com/office/drawing/2014/main" xmlns="" id="{AEF1F750-031C-BDB7-BD7B-9CBE17406FDB}"/>
+                <a16:creationId xmlns="" xmlns:a16="http://schemas.microsoft.com/office/drawing/2014/main" id="{AEF1F750-031C-BDB7-BD7B-9CBE17406FDB}"/>
               </a:ext>
             </a:extLst>
           </p:cNvPr>
@@ -6396,7 +6396,7 @@
           <p:cNvPr id="19" name="Freeform: Shape 18" descr="preencoded.png">
             <a:extLst>
               <a:ext uri="{FF2B5EF4-FFF2-40B4-BE49-F238E27FC236}">
-                <a16:creationId xmlns:a16="http://schemas.microsoft.com/office/drawing/2014/main" xmlns="" id="{FEB515B5-2D9F-58E1-6E3C-CCBF105D891E}"/>
+                <a16:creationId xmlns="" xmlns:a16="http://schemas.microsoft.com/office/drawing/2014/main" id="{FEB515B5-2D9F-58E1-6E3C-CCBF105D891E}"/>
               </a:ext>
             </a:extLst>
           </p:cNvPr>
@@ -6496,7 +6496,7 @@
           <p:cNvPr id="9" name="Image 2" descr="preencoded.png">
             <a:extLst>
               <a:ext uri="{FF2B5EF4-FFF2-40B4-BE49-F238E27FC236}">
-                <a16:creationId xmlns:a16="http://schemas.microsoft.com/office/drawing/2014/main" xmlns="" id="{5CCFEDF9-5B69-87BA-8A33-35033DA4013F}"/>
+                <a16:creationId xmlns="" xmlns:a16="http://schemas.microsoft.com/office/drawing/2014/main" id="{5CCFEDF9-5B69-87BA-8A33-35033DA4013F}"/>
               </a:ext>
             </a:extLst>
           </p:cNvPr>
@@ -6512,7 +6512,7 @@
                 <a14:useLocalDpi xmlns:a14="http://schemas.microsoft.com/office/drawing/2010/main"/>
               </a:ext>
               <a:ext uri="{96DAC541-7B7A-43D3-8B79-37D633B846F1}">
-                <asvg:svgBlip xmlns:asvg="http://schemas.microsoft.com/office/drawing/2016/SVG/main" xmlns="" r:embed="rId3"/>
+                <asvg:svgBlip xmlns="" xmlns:asvg="http://schemas.microsoft.com/office/drawing/2016/SVG/main" r:embed="rId3"/>
               </a:ext>
             </a:extLst>
           </a:blip>
@@ -6668,7 +6668,7 @@
           <p:cNvPr id="9" name="Image 0" descr="preencoded.png">
             <a:extLst>
               <a:ext uri="{FF2B5EF4-FFF2-40B4-BE49-F238E27FC236}">
-                <a16:creationId xmlns:a16="http://schemas.microsoft.com/office/drawing/2014/main" xmlns="" id="{8D5D10FF-3DE5-39CA-FA9A-29A09DC47BFC}"/>
+                <a16:creationId xmlns="" xmlns:a16="http://schemas.microsoft.com/office/drawing/2014/main" id="{8D5D10FF-3DE5-39CA-FA9A-29A09DC47BFC}"/>
               </a:ext>
             </a:extLst>
           </p:cNvPr>
@@ -6758,7 +6758,7 @@
           <p:cNvPr id="11" name="Image 1" descr="preencoded.png">
             <a:extLst>
               <a:ext uri="{FF2B5EF4-FFF2-40B4-BE49-F238E27FC236}">
-                <a16:creationId xmlns:a16="http://schemas.microsoft.com/office/drawing/2014/main" xmlns="" id="{BFA89E6A-8342-AE30-45E0-BC1DFE3276CC}"/>
+                <a16:creationId xmlns="" xmlns:a16="http://schemas.microsoft.com/office/drawing/2014/main" id="{BFA89E6A-8342-AE30-45E0-BC1DFE3276CC}"/>
               </a:ext>
             </a:extLst>
           </p:cNvPr>
@@ -6774,7 +6774,7 @@
                 <a14:useLocalDpi xmlns:a14="http://schemas.microsoft.com/office/drawing/2010/main"/>
               </a:ext>
               <a:ext uri="{96DAC541-7B7A-43D3-8B79-37D633B846F1}">
-                <asvg:svgBlip xmlns:asvg="http://schemas.microsoft.com/office/drawing/2016/SVG/main" xmlns="" r:embed="rId3"/>
+                <asvg:svgBlip xmlns="" xmlns:asvg="http://schemas.microsoft.com/office/drawing/2016/SVG/main" r:embed="rId3"/>
               </a:ext>
             </a:extLst>
           </a:blip>
@@ -6796,7 +6796,7 @@
           <p:cNvPr id="13" name="Freeform: Shape 12">
             <a:extLst>
               <a:ext uri="{FF2B5EF4-FFF2-40B4-BE49-F238E27FC236}">
-                <a16:creationId xmlns:a16="http://schemas.microsoft.com/office/drawing/2014/main" xmlns="" id="{A08309FA-889A-E2F2-1EDA-F872245F5FDF}"/>
+                <a16:creationId xmlns="" xmlns:a16="http://schemas.microsoft.com/office/drawing/2014/main" id="{A08309FA-889A-E2F2-1EDA-F872245F5FDF}"/>
               </a:ext>
             </a:extLst>
           </p:cNvPr>
@@ -7650,7 +7650,7 @@
           <p:cNvPr id="15" name="Image 5" descr="preencoded.png">
             <a:extLst>
               <a:ext uri="{FF2B5EF4-FFF2-40B4-BE49-F238E27FC236}">
-                <a16:creationId xmlns:a16="http://schemas.microsoft.com/office/drawing/2014/main" xmlns="" id="{D9D7EB49-4BC9-040F-C4CC-5771C5FB312B}"/>
+                <a16:creationId xmlns="" xmlns:a16="http://schemas.microsoft.com/office/drawing/2014/main" id="{D9D7EB49-4BC9-040F-C4CC-5771C5FB312B}"/>
               </a:ext>
             </a:extLst>
           </p:cNvPr>
@@ -7748,7 +7748,7 @@
           <p:cNvPr id="17" name="Image 6" descr="preencoded.png">
             <a:extLst>
               <a:ext uri="{FF2B5EF4-FFF2-40B4-BE49-F238E27FC236}">
-                <a16:creationId xmlns:a16="http://schemas.microsoft.com/office/drawing/2014/main" xmlns="" id="{3CE04498-C285-EFB8-340C-1A064078152B}"/>
+                <a16:creationId xmlns="" xmlns:a16="http://schemas.microsoft.com/office/drawing/2014/main" id="{3CE04498-C285-EFB8-340C-1A064078152B}"/>
               </a:ext>
             </a:extLst>
           </p:cNvPr>
@@ -7764,7 +7764,7 @@
                 <a14:useLocalDpi xmlns:a14="http://schemas.microsoft.com/office/drawing/2010/main"/>
               </a:ext>
               <a:ext uri="{96DAC541-7B7A-43D3-8B79-37D633B846F1}">
-                <asvg:svgBlip xmlns:asvg="http://schemas.microsoft.com/office/drawing/2016/SVG/main" xmlns="" r:embed="rId5"/>
+                <asvg:svgBlip xmlns="" xmlns:asvg="http://schemas.microsoft.com/office/drawing/2016/SVG/main" r:embed="rId5"/>
               </a:ext>
             </a:extLst>
           </a:blip>
@@ -7832,7 +7832,7 @@
           <p:cNvPr id="18" name="Title 19">
             <a:extLst>
               <a:ext uri="{FF2B5EF4-FFF2-40B4-BE49-F238E27FC236}">
-                <a16:creationId xmlns:a16="http://schemas.microsoft.com/office/drawing/2014/main" xmlns="" id="{9CBE0ADC-7FA0-F7E3-96EF-BBACB6A9076E}"/>
+                <a16:creationId xmlns="" xmlns:a16="http://schemas.microsoft.com/office/drawing/2014/main" id="{9CBE0ADC-7FA0-F7E3-96EF-BBACB6A9076E}"/>
               </a:ext>
             </a:extLst>
           </p:cNvPr>
@@ -7875,7 +7875,7 @@
           <p:cNvPr id="19" name="Content Placeholder 3">
             <a:extLst>
               <a:ext uri="{FF2B5EF4-FFF2-40B4-BE49-F238E27FC236}">
-                <a16:creationId xmlns:a16="http://schemas.microsoft.com/office/drawing/2014/main" xmlns="" id="{0F9C0517-D83A-CC55-35B8-B2F990C96D30}"/>
+                <a16:creationId xmlns="" xmlns:a16="http://schemas.microsoft.com/office/drawing/2014/main" id="{0F9C0517-D83A-CC55-35B8-B2F990C96D30}"/>
               </a:ext>
             </a:extLst>
           </p:cNvPr>
@@ -7956,7 +7956,7 @@
           <p:cNvPr id="20" name="Content Placeholder 5">
             <a:extLst>
               <a:ext uri="{FF2B5EF4-FFF2-40B4-BE49-F238E27FC236}">
-                <a16:creationId xmlns:a16="http://schemas.microsoft.com/office/drawing/2014/main" xmlns="" id="{CF8BFBBE-0EAE-B647-2648-A5FB0094BF6B}"/>
+                <a16:creationId xmlns="" xmlns:a16="http://schemas.microsoft.com/office/drawing/2014/main" id="{CF8BFBBE-0EAE-B647-2648-A5FB0094BF6B}"/>
               </a:ext>
             </a:extLst>
           </p:cNvPr>
@@ -8067,7 +8067,7 @@
           <p:cNvPr id="7" name="Freeform: Shape 6">
             <a:extLst>
               <a:ext uri="{FF2B5EF4-FFF2-40B4-BE49-F238E27FC236}">
-                <a16:creationId xmlns:a16="http://schemas.microsoft.com/office/drawing/2014/main" xmlns="" id="{2C6B5F91-ABF5-D0B6-E43F-40CEDC3A6DF8}"/>
+                <a16:creationId xmlns="" xmlns:a16="http://schemas.microsoft.com/office/drawing/2014/main" id="{2C6B5F91-ABF5-D0B6-E43F-40CEDC3A6DF8}"/>
               </a:ext>
             </a:extLst>
           </p:cNvPr>
@@ -9028,7 +9028,7 @@
           <p:cNvPr id="9" name="Freeform: Shape 8">
             <a:extLst>
               <a:ext uri="{FF2B5EF4-FFF2-40B4-BE49-F238E27FC236}">
-                <a16:creationId xmlns:a16="http://schemas.microsoft.com/office/drawing/2014/main" xmlns="" id="{A52D64F1-27B6-A1E5-4F44-A6029FAB307B}"/>
+                <a16:creationId xmlns="" xmlns:a16="http://schemas.microsoft.com/office/drawing/2014/main" id="{A52D64F1-27B6-A1E5-4F44-A6029FAB307B}"/>
               </a:ext>
             </a:extLst>
           </p:cNvPr>
@@ -10088,7 +10088,7 @@
           <p:cNvPr id="6" name="Freeform: Shape 5">
             <a:extLst>
               <a:ext uri="{FF2B5EF4-FFF2-40B4-BE49-F238E27FC236}">
-                <a16:creationId xmlns:a16="http://schemas.microsoft.com/office/drawing/2014/main" xmlns="" id="{A626DE4B-D4E5-B36A-89FA-7C0E87AFC31D}"/>
+                <a16:creationId xmlns="" xmlns:a16="http://schemas.microsoft.com/office/drawing/2014/main" id="{A626DE4B-D4E5-B36A-89FA-7C0E87AFC31D}"/>
               </a:ext>
             </a:extLst>
           </p:cNvPr>
@@ -11049,7 +11049,7 @@
           <p:cNvPr id="8" name="Freeform: Shape 7">
             <a:extLst>
               <a:ext uri="{FF2B5EF4-FFF2-40B4-BE49-F238E27FC236}">
-                <a16:creationId xmlns:a16="http://schemas.microsoft.com/office/drawing/2014/main" xmlns="" id="{95243571-BE64-3777-F992-88FC43A60537}"/>
+                <a16:creationId xmlns="" xmlns:a16="http://schemas.microsoft.com/office/drawing/2014/main" id="{95243571-BE64-3777-F992-88FC43A60537}"/>
               </a:ext>
             </a:extLst>
           </p:cNvPr>
@@ -12086,7 +12086,7 @@
           <p:cNvPr id="11" name="Freeform: Shape 10">
             <a:extLst>
               <a:ext uri="{FF2B5EF4-FFF2-40B4-BE49-F238E27FC236}">
-                <a16:creationId xmlns:a16="http://schemas.microsoft.com/office/drawing/2014/main" xmlns="" id="{ADFAE2CB-0EAD-E788-FCB7-FB12F6939199}"/>
+                <a16:creationId xmlns="" xmlns:a16="http://schemas.microsoft.com/office/drawing/2014/main" id="{ADFAE2CB-0EAD-E788-FCB7-FB12F6939199}"/>
               </a:ext>
             </a:extLst>
           </p:cNvPr>
@@ -13305,7 +13305,7 @@
           <p:cNvPr id="6" name="Group 5">
             <a:extLst>
               <a:ext uri="{FF2B5EF4-FFF2-40B4-BE49-F238E27FC236}">
-                <a16:creationId xmlns:a16="http://schemas.microsoft.com/office/drawing/2014/main" xmlns="" id="{75923D9E-9381-3D11-B31A-1BF5C97F35B0}"/>
+                <a16:creationId xmlns="" xmlns:a16="http://schemas.microsoft.com/office/drawing/2014/main" id="{75923D9E-9381-3D11-B31A-1BF5C97F35B0}"/>
               </a:ext>
             </a:extLst>
           </p:cNvPr>
@@ -13325,7 +13325,7 @@
             <p:cNvPr id="7" name="Freeform 7">
               <a:extLst>
                 <a:ext uri="{FF2B5EF4-FFF2-40B4-BE49-F238E27FC236}">
-                  <a16:creationId xmlns:a16="http://schemas.microsoft.com/office/drawing/2014/main" xmlns="" id="{89E777D0-3240-08CE-6B6C-B33B910B8490}"/>
+                  <a16:creationId xmlns="" xmlns:a16="http://schemas.microsoft.com/office/drawing/2014/main" id="{89E777D0-3240-08CE-6B6C-B33B910B8490}"/>
                 </a:ext>
               </a:extLst>
             </p:cNvPr>
@@ -13410,7 +13410,7 @@
             <p:cNvPr id="8" name="Freeform 6">
               <a:extLst>
                 <a:ext uri="{FF2B5EF4-FFF2-40B4-BE49-F238E27FC236}">
-                  <a16:creationId xmlns:a16="http://schemas.microsoft.com/office/drawing/2014/main" xmlns="" id="{EFEA81A2-6893-518C-6AF3-37C987789C86}"/>
+                  <a16:creationId xmlns="" xmlns:a16="http://schemas.microsoft.com/office/drawing/2014/main" id="{EFEA81A2-6893-518C-6AF3-37C987789C86}"/>
                 </a:ext>
               </a:extLst>
             </p:cNvPr>
@@ -13496,7 +13496,7 @@
           <p:cNvPr id="9" name="Group 8">
             <a:extLst>
               <a:ext uri="{FF2B5EF4-FFF2-40B4-BE49-F238E27FC236}">
-                <a16:creationId xmlns:a16="http://schemas.microsoft.com/office/drawing/2014/main" xmlns="" id="{0F297964-0B81-31DC-6D6D-1414832238B1}"/>
+                <a16:creationId xmlns="" xmlns:a16="http://schemas.microsoft.com/office/drawing/2014/main" id="{0F297964-0B81-31DC-6D6D-1414832238B1}"/>
               </a:ext>
             </a:extLst>
           </p:cNvPr>
@@ -13516,7 +13516,7 @@
             <p:cNvPr id="10" name="Freeform 7">
               <a:extLst>
                 <a:ext uri="{FF2B5EF4-FFF2-40B4-BE49-F238E27FC236}">
-                  <a16:creationId xmlns:a16="http://schemas.microsoft.com/office/drawing/2014/main" xmlns="" id="{CE4FDB43-7466-4B74-330E-836DA9504C90}"/>
+                  <a16:creationId xmlns="" xmlns:a16="http://schemas.microsoft.com/office/drawing/2014/main" id="{CE4FDB43-7466-4B74-330E-836DA9504C90}"/>
                 </a:ext>
               </a:extLst>
             </p:cNvPr>
@@ -13601,7 +13601,7 @@
             <p:cNvPr id="11" name="Freeform 6">
               <a:extLst>
                 <a:ext uri="{FF2B5EF4-FFF2-40B4-BE49-F238E27FC236}">
-                  <a16:creationId xmlns:a16="http://schemas.microsoft.com/office/drawing/2014/main" xmlns="" id="{2EA39DB9-F1B4-F4E9-CF4D-717B0CD747DA}"/>
+                  <a16:creationId xmlns="" xmlns:a16="http://schemas.microsoft.com/office/drawing/2014/main" id="{2EA39DB9-F1B4-F4E9-CF4D-717B0CD747DA}"/>
                 </a:ext>
               </a:extLst>
             </p:cNvPr>
@@ -13687,7 +13687,7 @@
           <p:cNvPr id="14" name="Image 2" descr="preencoded.png">
             <a:extLst>
               <a:ext uri="{FF2B5EF4-FFF2-40B4-BE49-F238E27FC236}">
-                <a16:creationId xmlns:a16="http://schemas.microsoft.com/office/drawing/2014/main" xmlns="" id="{EFFAEAD9-58A9-096B-C6D0-58F7AD08EB20}"/>
+                <a16:creationId xmlns="" xmlns:a16="http://schemas.microsoft.com/office/drawing/2014/main" id="{EFFAEAD9-58A9-096B-C6D0-58F7AD08EB20}"/>
               </a:ext>
             </a:extLst>
           </p:cNvPr>
@@ -13785,7 +13785,7 @@
           <p:cNvPr id="2" name="Title 1">
             <a:extLst>
               <a:ext uri="{FF2B5EF4-FFF2-40B4-BE49-F238E27FC236}">
-                <a16:creationId xmlns:a16="http://schemas.microsoft.com/office/drawing/2014/main" xmlns="" id="{9A1CFBBA-B680-A6A7-3C4B-5FEAC4253283}"/>
+                <a16:creationId xmlns="" xmlns:a16="http://schemas.microsoft.com/office/drawing/2014/main" id="{9A1CFBBA-B680-A6A7-3C4B-5FEAC4253283}"/>
               </a:ext>
             </a:extLst>
           </p:cNvPr>
@@ -13828,7 +13828,7 @@
           <p:cNvPr id="13" name="Content Placeholder 2">
             <a:extLst>
               <a:ext uri="{FF2B5EF4-FFF2-40B4-BE49-F238E27FC236}">
-                <a16:creationId xmlns:a16="http://schemas.microsoft.com/office/drawing/2014/main" xmlns="" id="{72386C43-DD10-E892-08AD-D6F4AE9617DD}"/>
+                <a16:creationId xmlns="" xmlns:a16="http://schemas.microsoft.com/office/drawing/2014/main" id="{72386C43-DD10-E892-08AD-D6F4AE9617DD}"/>
               </a:ext>
             </a:extLst>
           </p:cNvPr>
@@ -13937,7 +13937,7 @@
           <p:cNvPr id="11" name="Freeform: Shape 10">
             <a:extLst>
               <a:ext uri="{FF2B5EF4-FFF2-40B4-BE49-F238E27FC236}">
-                <a16:creationId xmlns:a16="http://schemas.microsoft.com/office/drawing/2014/main" xmlns="" id="{CAA6B609-D718-DB49-892F-7E49376CC913}"/>
+                <a16:creationId xmlns="" xmlns:a16="http://schemas.microsoft.com/office/drawing/2014/main" id="{CAA6B609-D718-DB49-892F-7E49376CC913}"/>
               </a:ext>
             </a:extLst>
           </p:cNvPr>
@@ -15136,7 +15136,7 @@
           <p:cNvPr id="23" name="Freeform: Shape 22">
             <a:extLst>
               <a:ext uri="{FF2B5EF4-FFF2-40B4-BE49-F238E27FC236}">
-                <a16:creationId xmlns:a16="http://schemas.microsoft.com/office/drawing/2014/main" xmlns="" id="{C35EFB42-020B-1DF4-3D42-26092CE45F08}"/>
+                <a16:creationId xmlns="" xmlns:a16="http://schemas.microsoft.com/office/drawing/2014/main" id="{C35EFB42-020B-1DF4-3D42-26092CE45F08}"/>
               </a:ext>
             </a:extLst>
           </p:cNvPr>
@@ -15224,7 +15224,7 @@
           <p:cNvPr id="20" name="Freeform: Shape 19">
             <a:extLst>
               <a:ext uri="{FF2B5EF4-FFF2-40B4-BE49-F238E27FC236}">
-                <a16:creationId xmlns:a16="http://schemas.microsoft.com/office/drawing/2014/main" xmlns="" id="{AB4DD322-D1E0-74CB-BBFF-057426E58EBC}"/>
+                <a16:creationId xmlns="" xmlns:a16="http://schemas.microsoft.com/office/drawing/2014/main" id="{AB4DD322-D1E0-74CB-BBFF-057426E58EBC}"/>
               </a:ext>
             </a:extLst>
           </p:cNvPr>
@@ -15312,7 +15312,7 @@
           <p:cNvPr id="14" name="Freeform: Shape 13">
             <a:extLst>
               <a:ext uri="{FF2B5EF4-FFF2-40B4-BE49-F238E27FC236}">
-                <a16:creationId xmlns:a16="http://schemas.microsoft.com/office/drawing/2014/main" xmlns="" id="{C11D3FCE-EC92-8558-A3E5-04DB12477A3B}"/>
+                <a16:creationId xmlns="" xmlns:a16="http://schemas.microsoft.com/office/drawing/2014/main" id="{C11D3FCE-EC92-8558-A3E5-04DB12477A3B}"/>
               </a:ext>
             </a:extLst>
           </p:cNvPr>
@@ -15568,7 +15568,7 @@
           <p:cNvPr id="17" name="Freeform: Shape 16">
             <a:extLst>
               <a:ext uri="{FF2B5EF4-FFF2-40B4-BE49-F238E27FC236}">
-                <a16:creationId xmlns:a16="http://schemas.microsoft.com/office/drawing/2014/main" xmlns="" id="{217CBC9E-B934-828F-2AE5-211CEF5B1D25}"/>
+                <a16:creationId xmlns="" xmlns:a16="http://schemas.microsoft.com/office/drawing/2014/main" id="{217CBC9E-B934-828F-2AE5-211CEF5B1D25}"/>
               </a:ext>
             </a:extLst>
           </p:cNvPr>
@@ -15678,7 +15678,7 @@
           <p:cNvPr id="34" name="Freeform: Shape 33">
             <a:extLst>
               <a:ext uri="{FF2B5EF4-FFF2-40B4-BE49-F238E27FC236}">
-                <a16:creationId xmlns:a16="http://schemas.microsoft.com/office/drawing/2014/main" xmlns="" id="{3D352B04-96E6-839B-9D92-EE98385C4D49}"/>
+                <a16:creationId xmlns="" xmlns:a16="http://schemas.microsoft.com/office/drawing/2014/main" id="{3D352B04-96E6-839B-9D92-EE98385C4D49}"/>
               </a:ext>
             </a:extLst>
           </p:cNvPr>
@@ -15792,7 +15792,7 @@
           <p:cNvPr id="46" name="Freeform: Shape 45">
             <a:extLst>
               <a:ext uri="{FF2B5EF4-FFF2-40B4-BE49-F238E27FC236}">
-                <a16:creationId xmlns:a16="http://schemas.microsoft.com/office/drawing/2014/main" xmlns="" id="{723D98FB-5EB7-A8DF-8470-B23A80D669E4}"/>
+                <a16:creationId xmlns="" xmlns:a16="http://schemas.microsoft.com/office/drawing/2014/main" id="{723D98FB-5EB7-A8DF-8470-B23A80D669E4}"/>
               </a:ext>
             </a:extLst>
           </p:cNvPr>
@@ -15908,7 +15908,7 @@
           <p:cNvPr id="43" name="Freeform: Shape 42">
             <a:extLst>
               <a:ext uri="{FF2B5EF4-FFF2-40B4-BE49-F238E27FC236}">
-                <a16:creationId xmlns:a16="http://schemas.microsoft.com/office/drawing/2014/main" xmlns="" id="{4550F3CE-BAE9-3916-42CA-F4D906FA5173}"/>
+                <a16:creationId xmlns="" xmlns:a16="http://schemas.microsoft.com/office/drawing/2014/main" id="{4550F3CE-BAE9-3916-42CA-F4D906FA5173}"/>
               </a:ext>
             </a:extLst>
           </p:cNvPr>
@@ -16104,7 +16104,7 @@
           <p:cNvPr id="49" name="Freeform: Shape 48">
             <a:extLst>
               <a:ext uri="{FF2B5EF4-FFF2-40B4-BE49-F238E27FC236}">
-                <a16:creationId xmlns:a16="http://schemas.microsoft.com/office/drawing/2014/main" xmlns="" id="{D83F65A0-0C52-48AD-DC5D-B5D3BF3CC188}"/>
+                <a16:creationId xmlns="" xmlns:a16="http://schemas.microsoft.com/office/drawing/2014/main" id="{D83F65A0-0C52-48AD-DC5D-B5D3BF3CC188}"/>
               </a:ext>
             </a:extLst>
           </p:cNvPr>
@@ -16248,7 +16248,7 @@
           <p:cNvPr id="40" name="Freeform: Shape 39">
             <a:extLst>
               <a:ext uri="{FF2B5EF4-FFF2-40B4-BE49-F238E27FC236}">
-                <a16:creationId xmlns:a16="http://schemas.microsoft.com/office/drawing/2014/main" xmlns="" id="{F8FA7F58-C470-6376-9DB1-DE7034C491E8}"/>
+                <a16:creationId xmlns="" xmlns:a16="http://schemas.microsoft.com/office/drawing/2014/main" id="{F8FA7F58-C470-6376-9DB1-DE7034C491E8}"/>
               </a:ext>
             </a:extLst>
           </p:cNvPr>
@@ -16330,7 +16330,7 @@
           <p:cNvPr id="37" name="Freeform: Shape 36">
             <a:extLst>
               <a:ext uri="{FF2B5EF4-FFF2-40B4-BE49-F238E27FC236}">
-                <a16:creationId xmlns:a16="http://schemas.microsoft.com/office/drawing/2014/main" xmlns="" id="{B27C9E57-563E-7980-7B3C-45FAD9C386F4}"/>
+                <a16:creationId xmlns="" xmlns:a16="http://schemas.microsoft.com/office/drawing/2014/main" id="{B27C9E57-563E-7980-7B3C-45FAD9C386F4}"/>
               </a:ext>
             </a:extLst>
           </p:cNvPr>
@@ -16616,7 +16616,7 @@
           <p:cNvPr id="30" name="Freeform: Shape 29">
             <a:extLst>
               <a:ext uri="{FF2B5EF4-FFF2-40B4-BE49-F238E27FC236}">
-                <a16:creationId xmlns:a16="http://schemas.microsoft.com/office/drawing/2014/main" xmlns="" id="{2459EA3C-8B88-5F1F-531E-7DA7DE55710B}"/>
+                <a16:creationId xmlns="" xmlns:a16="http://schemas.microsoft.com/office/drawing/2014/main" id="{2459EA3C-8B88-5F1F-531E-7DA7DE55710B}"/>
               </a:ext>
             </a:extLst>
           </p:cNvPr>
@@ -17764,7 +17764,7 @@
           <p:cNvPr id="28" name="Freeform: Shape 27">
             <a:extLst>
               <a:ext uri="{FF2B5EF4-FFF2-40B4-BE49-F238E27FC236}">
-                <a16:creationId xmlns:a16="http://schemas.microsoft.com/office/drawing/2014/main" xmlns="" id="{B0C0F070-237F-C60F-3458-4D4D9BA0A222}"/>
+                <a16:creationId xmlns="" xmlns:a16="http://schemas.microsoft.com/office/drawing/2014/main" id="{B0C0F070-237F-C60F-3458-4D4D9BA0A222}"/>
               </a:ext>
             </a:extLst>
           </p:cNvPr>
@@ -19221,7 +19221,7 @@
           <p:cNvPr id="57" name="Text Placeholder 54">
             <a:extLst>
               <a:ext uri="{FF2B5EF4-FFF2-40B4-BE49-F238E27FC236}">
-                <a16:creationId xmlns:a16="http://schemas.microsoft.com/office/drawing/2014/main" xmlns="" id="{A493C80D-2813-9E70-8901-D4B9EA4DD7EA}"/>
+                <a16:creationId xmlns="" xmlns:a16="http://schemas.microsoft.com/office/drawing/2014/main" id="{A493C80D-2813-9E70-8901-D4B9EA4DD7EA}"/>
               </a:ext>
             </a:extLst>
           </p:cNvPr>
@@ -19262,7 +19262,7 @@
           <p:cNvPr id="55" name="Text Placeholder 54">
             <a:extLst>
               <a:ext uri="{FF2B5EF4-FFF2-40B4-BE49-F238E27FC236}">
-                <a16:creationId xmlns:a16="http://schemas.microsoft.com/office/drawing/2014/main" xmlns="" id="{A2733C45-7C53-2BC5-3F62-D069650A79C9}"/>
+                <a16:creationId xmlns="" xmlns:a16="http://schemas.microsoft.com/office/drawing/2014/main" id="{A2733C45-7C53-2BC5-3F62-D069650A79C9}"/>
               </a:ext>
             </a:extLst>
           </p:cNvPr>
@@ -19303,7 +19303,7 @@
           <p:cNvPr id="56" name="Text Placeholder 54">
             <a:extLst>
               <a:ext uri="{FF2B5EF4-FFF2-40B4-BE49-F238E27FC236}">
-                <a16:creationId xmlns:a16="http://schemas.microsoft.com/office/drawing/2014/main" xmlns="" id="{B1D62231-87CB-21EC-CF8C-46276AD1F951}"/>
+                <a16:creationId xmlns="" xmlns:a16="http://schemas.microsoft.com/office/drawing/2014/main" id="{B1D62231-87CB-21EC-CF8C-46276AD1F951}"/>
               </a:ext>
             </a:extLst>
           </p:cNvPr>
@@ -19344,7 +19344,7 @@
           <p:cNvPr id="32" name="Image 1" descr="preencoded.png">
             <a:extLst>
               <a:ext uri="{FF2B5EF4-FFF2-40B4-BE49-F238E27FC236}">
-                <a16:creationId xmlns:a16="http://schemas.microsoft.com/office/drawing/2014/main" xmlns="" id="{2A3EC91E-4089-D366-06D3-3E66F93DFAF3}"/>
+                <a16:creationId xmlns="" xmlns:a16="http://schemas.microsoft.com/office/drawing/2014/main" id="{2A3EC91E-4089-D366-06D3-3E66F93DFAF3}"/>
               </a:ext>
             </a:extLst>
           </p:cNvPr>
@@ -19434,7 +19434,7 @@
           <p:cNvPr id="53" name="Freeform: Shape 52">
             <a:extLst>
               <a:ext uri="{FF2B5EF4-FFF2-40B4-BE49-F238E27FC236}">
-                <a16:creationId xmlns:a16="http://schemas.microsoft.com/office/drawing/2014/main" xmlns="" id="{70F595E1-C910-3710-90E9-AF5FFCE05861}"/>
+                <a16:creationId xmlns="" xmlns:a16="http://schemas.microsoft.com/office/drawing/2014/main" id="{70F595E1-C910-3710-90E9-AF5FFCE05861}"/>
               </a:ext>
             </a:extLst>
           </p:cNvPr>
@@ -20288,7 +20288,7 @@
           <p:cNvPr id="33" name="Image 4" descr="preencoded.png">
             <a:extLst>
               <a:ext uri="{FF2B5EF4-FFF2-40B4-BE49-F238E27FC236}">
-                <a16:creationId xmlns:a16="http://schemas.microsoft.com/office/drawing/2014/main" xmlns="" id="{EC46DC71-C12A-96C8-3FE2-AA95AB58B349}"/>
+                <a16:creationId xmlns="" xmlns:a16="http://schemas.microsoft.com/office/drawing/2014/main" id="{EC46DC71-C12A-96C8-3FE2-AA95AB58B349}"/>
               </a:ext>
             </a:extLst>
           </p:cNvPr>
@@ -20372,7 +20372,7 @@
           <p:cNvPr id="29" name="Freeform 70">
             <a:extLst>
               <a:ext uri="{FF2B5EF4-FFF2-40B4-BE49-F238E27FC236}">
-                <a16:creationId xmlns:a16="http://schemas.microsoft.com/office/drawing/2014/main" xmlns="" id="{AA39EF58-54F1-4AC9-1D83-2E7DEEAAEA6A}"/>
+                <a16:creationId xmlns="" xmlns:a16="http://schemas.microsoft.com/office/drawing/2014/main" id="{AA39EF58-54F1-4AC9-1D83-2E7DEEAAEA6A}"/>
               </a:ext>
             </a:extLst>
           </p:cNvPr>
@@ -20457,7 +20457,7 @@
           <p:cNvPr id="31" name="Freeform 70">
             <a:extLst>
               <a:ext uri="{FF2B5EF4-FFF2-40B4-BE49-F238E27FC236}">
-                <a16:creationId xmlns:a16="http://schemas.microsoft.com/office/drawing/2014/main" xmlns="" id="{0C320934-59CC-4123-C7C1-FEEE89F3045F}"/>
+                <a16:creationId xmlns="" xmlns:a16="http://schemas.microsoft.com/office/drawing/2014/main" id="{0C320934-59CC-4123-C7C1-FEEE89F3045F}"/>
               </a:ext>
             </a:extLst>
           </p:cNvPr>
@@ -20597,7 +20597,7 @@
           <p:cNvPr id="7" name="Rectangle 6">
             <a:extLst>
               <a:ext uri="{FF2B5EF4-FFF2-40B4-BE49-F238E27FC236}">
-                <a16:creationId xmlns:a16="http://schemas.microsoft.com/office/drawing/2014/main" xmlns="" id="{FCC43996-DAC9-130F-CB05-4A8A90381D37}"/>
+                <a16:creationId xmlns="" xmlns:a16="http://schemas.microsoft.com/office/drawing/2014/main" id="{FCC43996-DAC9-130F-CB05-4A8A90381D37}"/>
               </a:ext>
             </a:extLst>
           </p:cNvPr>
@@ -20651,7 +20651,7 @@
           <p:cNvPr id="2" name="Title 1">
             <a:extLst>
               <a:ext uri="{FF2B5EF4-FFF2-40B4-BE49-F238E27FC236}">
-                <a16:creationId xmlns:a16="http://schemas.microsoft.com/office/drawing/2014/main" xmlns="" id="{EA04E8AF-9DFE-7077-DB36-941F6490BAD8}"/>
+                <a16:creationId xmlns="" xmlns:a16="http://schemas.microsoft.com/office/drawing/2014/main" id="{EA04E8AF-9DFE-7077-DB36-941F6490BAD8}"/>
               </a:ext>
             </a:extLst>
           </p:cNvPr>
@@ -20689,7 +20689,7 @@
           <p:cNvPr id="4" name="Footer Placeholder 3">
             <a:extLst>
               <a:ext uri="{FF2B5EF4-FFF2-40B4-BE49-F238E27FC236}">
-                <a16:creationId xmlns:a16="http://schemas.microsoft.com/office/drawing/2014/main" xmlns="" id="{43B58B80-D2DB-A0A1-0362-1157E9087574}"/>
+                <a16:creationId xmlns="" xmlns:a16="http://schemas.microsoft.com/office/drawing/2014/main" id="{43B58B80-D2DB-A0A1-0362-1157E9087574}"/>
               </a:ext>
             </a:extLst>
           </p:cNvPr>
@@ -20720,7 +20720,7 @@
           <p:cNvPr id="5" name="Slide Number Placeholder 4">
             <a:extLst>
               <a:ext uri="{FF2B5EF4-FFF2-40B4-BE49-F238E27FC236}">
-                <a16:creationId xmlns:a16="http://schemas.microsoft.com/office/drawing/2014/main" xmlns="" id="{B62C22E6-000A-05BA-5872-EF37F029AB00}"/>
+                <a16:creationId xmlns="" xmlns:a16="http://schemas.microsoft.com/office/drawing/2014/main" id="{B62C22E6-000A-05BA-5872-EF37F029AB00}"/>
               </a:ext>
             </a:extLst>
           </p:cNvPr>
@@ -20752,7 +20752,7 @@
           <p:cNvPr id="17" name="Picture Placeholder 16">
             <a:extLst>
               <a:ext uri="{FF2B5EF4-FFF2-40B4-BE49-F238E27FC236}">
-                <a16:creationId xmlns:a16="http://schemas.microsoft.com/office/drawing/2014/main" xmlns="" id="{6AAAFB85-16C0-836A-1D0D-E65277CC341D}"/>
+                <a16:creationId xmlns="" xmlns:a16="http://schemas.microsoft.com/office/drawing/2014/main" id="{6AAAFB85-16C0-836A-1D0D-E65277CC341D}"/>
               </a:ext>
             </a:extLst>
           </p:cNvPr>
@@ -20802,7 +20802,7 @@
           <p:cNvPr id="19" name="Text Placeholder 18">
             <a:extLst>
               <a:ext uri="{FF2B5EF4-FFF2-40B4-BE49-F238E27FC236}">
-                <a16:creationId xmlns:a16="http://schemas.microsoft.com/office/drawing/2014/main" xmlns="" id="{FB04BFFD-8D76-D31F-232F-38A7065ACAF3}"/>
+                <a16:creationId xmlns="" xmlns:a16="http://schemas.microsoft.com/office/drawing/2014/main" id="{FB04BFFD-8D76-D31F-232F-38A7065ACAF3}"/>
               </a:ext>
             </a:extLst>
           </p:cNvPr>
@@ -20855,7 +20855,7 @@
           <p:cNvPr id="21" name="Text Placeholder 20">
             <a:extLst>
               <a:ext uri="{FF2B5EF4-FFF2-40B4-BE49-F238E27FC236}">
-                <a16:creationId xmlns:a16="http://schemas.microsoft.com/office/drawing/2014/main" xmlns="" id="{75A2E03A-AFB4-3868-FAB5-A24228FA8A04}"/>
+                <a16:creationId xmlns="" xmlns:a16="http://schemas.microsoft.com/office/drawing/2014/main" id="{75A2E03A-AFB4-3868-FAB5-A24228FA8A04}"/>
               </a:ext>
             </a:extLst>
           </p:cNvPr>
@@ -20896,7 +20896,7 @@
           <p:cNvPr id="23" name="Picture Placeholder 16">
             <a:extLst>
               <a:ext uri="{FF2B5EF4-FFF2-40B4-BE49-F238E27FC236}">
-                <a16:creationId xmlns:a16="http://schemas.microsoft.com/office/drawing/2014/main" xmlns="" id="{FBADCD1B-D9E0-EA12-0DD5-22E5C60E5D6B}"/>
+                <a16:creationId xmlns="" xmlns:a16="http://schemas.microsoft.com/office/drawing/2014/main" id="{FBADCD1B-D9E0-EA12-0DD5-22E5C60E5D6B}"/>
               </a:ext>
             </a:extLst>
           </p:cNvPr>
@@ -20946,7 +20946,7 @@
           <p:cNvPr id="22" name="Text Placeholder 18">
             <a:extLst>
               <a:ext uri="{FF2B5EF4-FFF2-40B4-BE49-F238E27FC236}">
-                <a16:creationId xmlns:a16="http://schemas.microsoft.com/office/drawing/2014/main" xmlns="" id="{AD33972D-9092-4B3C-A699-07849068AF1D}"/>
+                <a16:creationId xmlns="" xmlns:a16="http://schemas.microsoft.com/office/drawing/2014/main" id="{AD33972D-9092-4B3C-A699-07849068AF1D}"/>
               </a:ext>
             </a:extLst>
           </p:cNvPr>
@@ -20999,7 +20999,7 @@
           <p:cNvPr id="24" name="Text Placeholder 20">
             <a:extLst>
               <a:ext uri="{FF2B5EF4-FFF2-40B4-BE49-F238E27FC236}">
-                <a16:creationId xmlns:a16="http://schemas.microsoft.com/office/drawing/2014/main" xmlns="" id="{B54F15B1-EAC3-0113-6737-C64480876C5F}"/>
+                <a16:creationId xmlns="" xmlns:a16="http://schemas.microsoft.com/office/drawing/2014/main" id="{B54F15B1-EAC3-0113-6737-C64480876C5F}"/>
               </a:ext>
             </a:extLst>
           </p:cNvPr>
@@ -21040,7 +21040,7 @@
           <p:cNvPr id="26" name="Picture Placeholder 16">
             <a:extLst>
               <a:ext uri="{FF2B5EF4-FFF2-40B4-BE49-F238E27FC236}">
-                <a16:creationId xmlns:a16="http://schemas.microsoft.com/office/drawing/2014/main" xmlns="" id="{FCEED0A5-9A71-D54A-91FC-264BD71DDED3}"/>
+                <a16:creationId xmlns="" xmlns:a16="http://schemas.microsoft.com/office/drawing/2014/main" id="{FCEED0A5-9A71-D54A-91FC-264BD71DDED3}"/>
               </a:ext>
             </a:extLst>
           </p:cNvPr>
@@ -21090,7 +21090,7 @@
           <p:cNvPr id="25" name="Text Placeholder 18">
             <a:extLst>
               <a:ext uri="{FF2B5EF4-FFF2-40B4-BE49-F238E27FC236}">
-                <a16:creationId xmlns:a16="http://schemas.microsoft.com/office/drawing/2014/main" xmlns="" id="{F44A0C74-A714-A8C2-69D2-74CAD68037A5}"/>
+                <a16:creationId xmlns="" xmlns:a16="http://schemas.microsoft.com/office/drawing/2014/main" id="{F44A0C74-A714-A8C2-69D2-74CAD68037A5}"/>
               </a:ext>
             </a:extLst>
           </p:cNvPr>
@@ -21143,7 +21143,7 @@
           <p:cNvPr id="27" name="Text Placeholder 20">
             <a:extLst>
               <a:ext uri="{FF2B5EF4-FFF2-40B4-BE49-F238E27FC236}">
-                <a16:creationId xmlns:a16="http://schemas.microsoft.com/office/drawing/2014/main" xmlns="" id="{552F4682-3F02-2A70-A285-FB2D1822A4D6}"/>
+                <a16:creationId xmlns="" xmlns:a16="http://schemas.microsoft.com/office/drawing/2014/main" id="{552F4682-3F02-2A70-A285-FB2D1822A4D6}"/>
               </a:ext>
             </a:extLst>
           </p:cNvPr>
@@ -21184,7 +21184,7 @@
           <p:cNvPr id="29" name="Picture Placeholder 16">
             <a:extLst>
               <a:ext uri="{FF2B5EF4-FFF2-40B4-BE49-F238E27FC236}">
-                <a16:creationId xmlns:a16="http://schemas.microsoft.com/office/drawing/2014/main" xmlns="" id="{4F0F5D16-7316-B120-F378-E3D492FEEB9C}"/>
+                <a16:creationId xmlns="" xmlns:a16="http://schemas.microsoft.com/office/drawing/2014/main" id="{4F0F5D16-7316-B120-F378-E3D492FEEB9C}"/>
               </a:ext>
             </a:extLst>
           </p:cNvPr>
@@ -21234,7 +21234,7 @@
           <p:cNvPr id="28" name="Text Placeholder 18">
             <a:extLst>
               <a:ext uri="{FF2B5EF4-FFF2-40B4-BE49-F238E27FC236}">
-                <a16:creationId xmlns:a16="http://schemas.microsoft.com/office/drawing/2014/main" xmlns="" id="{47AC9724-9FC2-62FA-0DE7-3F9FE9B67A34}"/>
+                <a16:creationId xmlns="" xmlns:a16="http://schemas.microsoft.com/office/drawing/2014/main" id="{47AC9724-9FC2-62FA-0DE7-3F9FE9B67A34}"/>
               </a:ext>
             </a:extLst>
           </p:cNvPr>
@@ -21287,7 +21287,7 @@
           <p:cNvPr id="30" name="Text Placeholder 20">
             <a:extLst>
               <a:ext uri="{FF2B5EF4-FFF2-40B4-BE49-F238E27FC236}">
-                <a16:creationId xmlns:a16="http://schemas.microsoft.com/office/drawing/2014/main" xmlns="" id="{114EE337-FC29-F325-E528-A3F809B28B5B}"/>
+                <a16:creationId xmlns="" xmlns:a16="http://schemas.microsoft.com/office/drawing/2014/main" id="{114EE337-FC29-F325-E528-A3F809B28B5B}"/>
               </a:ext>
             </a:extLst>
           </p:cNvPr>
@@ -21358,7 +21358,7 @@
           <p:cNvPr id="2" name="Title 1">
             <a:extLst>
               <a:ext uri="{FF2B5EF4-FFF2-40B4-BE49-F238E27FC236}">
-                <a16:creationId xmlns:a16="http://schemas.microsoft.com/office/drawing/2014/main" xmlns="" id="{EA04E8AF-9DFE-7077-DB36-941F6490BAD8}"/>
+                <a16:creationId xmlns="" xmlns:a16="http://schemas.microsoft.com/office/drawing/2014/main" id="{EA04E8AF-9DFE-7077-DB36-941F6490BAD8}"/>
               </a:ext>
             </a:extLst>
           </p:cNvPr>
@@ -21401,7 +21401,7 @@
           <p:cNvPr id="4" name="Footer Placeholder 3">
             <a:extLst>
               <a:ext uri="{FF2B5EF4-FFF2-40B4-BE49-F238E27FC236}">
-                <a16:creationId xmlns:a16="http://schemas.microsoft.com/office/drawing/2014/main" xmlns="" id="{43B58B80-D2DB-A0A1-0362-1157E9087574}"/>
+                <a16:creationId xmlns="" xmlns:a16="http://schemas.microsoft.com/office/drawing/2014/main" id="{43B58B80-D2DB-A0A1-0362-1157E9087574}"/>
               </a:ext>
             </a:extLst>
           </p:cNvPr>
@@ -21432,7 +21432,7 @@
           <p:cNvPr id="5" name="Slide Number Placeholder 4">
             <a:extLst>
               <a:ext uri="{FF2B5EF4-FFF2-40B4-BE49-F238E27FC236}">
-                <a16:creationId xmlns:a16="http://schemas.microsoft.com/office/drawing/2014/main" xmlns="" id="{B62C22E6-000A-05BA-5872-EF37F029AB00}"/>
+                <a16:creationId xmlns="" xmlns:a16="http://schemas.microsoft.com/office/drawing/2014/main" id="{B62C22E6-000A-05BA-5872-EF37F029AB00}"/>
               </a:ext>
             </a:extLst>
           </p:cNvPr>
@@ -21469,7 +21469,7 @@
           <p:cNvPr id="17" name="Picture Placeholder 16">
             <a:extLst>
               <a:ext uri="{FF2B5EF4-FFF2-40B4-BE49-F238E27FC236}">
-                <a16:creationId xmlns:a16="http://schemas.microsoft.com/office/drawing/2014/main" xmlns="" id="{6AAAFB85-16C0-836A-1D0D-E65277CC341D}"/>
+                <a16:creationId xmlns="" xmlns:a16="http://schemas.microsoft.com/office/drawing/2014/main" id="{6AAAFB85-16C0-836A-1D0D-E65277CC341D}"/>
               </a:ext>
             </a:extLst>
           </p:cNvPr>
@@ -21519,7 +21519,7 @@
           <p:cNvPr id="19" name="Text Placeholder 18">
             <a:extLst>
               <a:ext uri="{FF2B5EF4-FFF2-40B4-BE49-F238E27FC236}">
-                <a16:creationId xmlns:a16="http://schemas.microsoft.com/office/drawing/2014/main" xmlns="" id="{FB04BFFD-8D76-D31F-232F-38A7065ACAF3}"/>
+                <a16:creationId xmlns="" xmlns:a16="http://schemas.microsoft.com/office/drawing/2014/main" id="{FB04BFFD-8D76-D31F-232F-38A7065ACAF3}"/>
               </a:ext>
             </a:extLst>
           </p:cNvPr>
@@ -21572,7 +21572,7 @@
           <p:cNvPr id="21" name="Text Placeholder 20">
             <a:extLst>
               <a:ext uri="{FF2B5EF4-FFF2-40B4-BE49-F238E27FC236}">
-                <a16:creationId xmlns:a16="http://schemas.microsoft.com/office/drawing/2014/main" xmlns="" id="{75A2E03A-AFB4-3868-FAB5-A24228FA8A04}"/>
+                <a16:creationId xmlns="" xmlns:a16="http://schemas.microsoft.com/office/drawing/2014/main" id="{75A2E03A-AFB4-3868-FAB5-A24228FA8A04}"/>
               </a:ext>
             </a:extLst>
           </p:cNvPr>
@@ -21613,7 +21613,7 @@
           <p:cNvPr id="10" name="Picture Placeholder 16">
             <a:extLst>
               <a:ext uri="{FF2B5EF4-FFF2-40B4-BE49-F238E27FC236}">
-                <a16:creationId xmlns:a16="http://schemas.microsoft.com/office/drawing/2014/main" xmlns="" id="{BB749B9A-080F-37C0-08E6-909A5DA554D4}"/>
+                <a16:creationId xmlns="" xmlns:a16="http://schemas.microsoft.com/office/drawing/2014/main" id="{BB749B9A-080F-37C0-08E6-909A5DA554D4}"/>
               </a:ext>
             </a:extLst>
           </p:cNvPr>
@@ -21663,7 +21663,7 @@
           <p:cNvPr id="14" name="Text Placeholder 18">
             <a:extLst>
               <a:ext uri="{FF2B5EF4-FFF2-40B4-BE49-F238E27FC236}">
-                <a16:creationId xmlns:a16="http://schemas.microsoft.com/office/drawing/2014/main" xmlns="" id="{C4C7516E-0853-87BE-108B-697DD8E0DA75}"/>
+                <a16:creationId xmlns="" xmlns:a16="http://schemas.microsoft.com/office/drawing/2014/main" id="{C4C7516E-0853-87BE-108B-697DD8E0DA75}"/>
               </a:ext>
             </a:extLst>
           </p:cNvPr>
@@ -21716,7 +21716,7 @@
           <p:cNvPr id="15" name="Text Placeholder 20">
             <a:extLst>
               <a:ext uri="{FF2B5EF4-FFF2-40B4-BE49-F238E27FC236}">
-                <a16:creationId xmlns:a16="http://schemas.microsoft.com/office/drawing/2014/main" xmlns="" id="{FB1A74E1-7CEB-F501-F998-7361A20F7349}"/>
+                <a16:creationId xmlns="" xmlns:a16="http://schemas.microsoft.com/office/drawing/2014/main" id="{FB1A74E1-7CEB-F501-F998-7361A20F7349}"/>
               </a:ext>
             </a:extLst>
           </p:cNvPr>
@@ -21757,7 +21757,7 @@
           <p:cNvPr id="23" name="Picture Placeholder 16">
             <a:extLst>
               <a:ext uri="{FF2B5EF4-FFF2-40B4-BE49-F238E27FC236}">
-                <a16:creationId xmlns:a16="http://schemas.microsoft.com/office/drawing/2014/main" xmlns="" id="{FBADCD1B-D9E0-EA12-0DD5-22E5C60E5D6B}"/>
+                <a16:creationId xmlns="" xmlns:a16="http://schemas.microsoft.com/office/drawing/2014/main" id="{FBADCD1B-D9E0-EA12-0DD5-22E5C60E5D6B}"/>
               </a:ext>
             </a:extLst>
           </p:cNvPr>
@@ -21807,7 +21807,7 @@
           <p:cNvPr id="22" name="Text Placeholder 18">
             <a:extLst>
               <a:ext uri="{FF2B5EF4-FFF2-40B4-BE49-F238E27FC236}">
-                <a16:creationId xmlns:a16="http://schemas.microsoft.com/office/drawing/2014/main" xmlns="" id="{AD33972D-9092-4B3C-A699-07849068AF1D}"/>
+                <a16:creationId xmlns="" xmlns:a16="http://schemas.microsoft.com/office/drawing/2014/main" id="{AD33972D-9092-4B3C-A699-07849068AF1D}"/>
               </a:ext>
             </a:extLst>
           </p:cNvPr>
@@ -21860,7 +21860,7 @@
           <p:cNvPr id="24" name="Text Placeholder 20">
             <a:extLst>
               <a:ext uri="{FF2B5EF4-FFF2-40B4-BE49-F238E27FC236}">
-                <a16:creationId xmlns:a16="http://schemas.microsoft.com/office/drawing/2014/main" xmlns="" id="{B54F15B1-EAC3-0113-6737-C64480876C5F}"/>
+                <a16:creationId xmlns="" xmlns:a16="http://schemas.microsoft.com/office/drawing/2014/main" id="{B54F15B1-EAC3-0113-6737-C64480876C5F}"/>
               </a:ext>
             </a:extLst>
           </p:cNvPr>
@@ -21901,7 +21901,7 @@
           <p:cNvPr id="11" name="Picture Placeholder 16">
             <a:extLst>
               <a:ext uri="{FF2B5EF4-FFF2-40B4-BE49-F238E27FC236}">
-                <a16:creationId xmlns:a16="http://schemas.microsoft.com/office/drawing/2014/main" xmlns="" id="{B5D5100A-3D51-45DB-3A84-9E7FB85261E3}"/>
+                <a16:creationId xmlns="" xmlns:a16="http://schemas.microsoft.com/office/drawing/2014/main" id="{B5D5100A-3D51-45DB-3A84-9E7FB85261E3}"/>
               </a:ext>
             </a:extLst>
           </p:cNvPr>
@@ -21951,7 +21951,7 @@
           <p:cNvPr id="16" name="Text Placeholder 18">
             <a:extLst>
               <a:ext uri="{FF2B5EF4-FFF2-40B4-BE49-F238E27FC236}">
-                <a16:creationId xmlns:a16="http://schemas.microsoft.com/office/drawing/2014/main" xmlns="" id="{B775B771-678A-D917-7FE0-5DA7A23CCE25}"/>
+                <a16:creationId xmlns="" xmlns:a16="http://schemas.microsoft.com/office/drawing/2014/main" id="{B775B771-678A-D917-7FE0-5DA7A23CCE25}"/>
               </a:ext>
             </a:extLst>
           </p:cNvPr>
@@ -22004,7 +22004,7 @@
           <p:cNvPr id="18" name="Text Placeholder 20">
             <a:extLst>
               <a:ext uri="{FF2B5EF4-FFF2-40B4-BE49-F238E27FC236}">
-                <a16:creationId xmlns:a16="http://schemas.microsoft.com/office/drawing/2014/main" xmlns="" id="{AA2B9540-B92A-AD9C-C01A-B08A98BF8455}"/>
+                <a16:creationId xmlns="" xmlns:a16="http://schemas.microsoft.com/office/drawing/2014/main" id="{AA2B9540-B92A-AD9C-C01A-B08A98BF8455}"/>
               </a:ext>
             </a:extLst>
           </p:cNvPr>
@@ -22045,7 +22045,7 @@
           <p:cNvPr id="26" name="Picture Placeholder 16">
             <a:extLst>
               <a:ext uri="{FF2B5EF4-FFF2-40B4-BE49-F238E27FC236}">
-                <a16:creationId xmlns:a16="http://schemas.microsoft.com/office/drawing/2014/main" xmlns="" id="{FCEED0A5-9A71-D54A-91FC-264BD71DDED3}"/>
+                <a16:creationId xmlns="" xmlns:a16="http://schemas.microsoft.com/office/drawing/2014/main" id="{FCEED0A5-9A71-D54A-91FC-264BD71DDED3}"/>
               </a:ext>
             </a:extLst>
           </p:cNvPr>
@@ -22095,7 +22095,7 @@
           <p:cNvPr id="25" name="Text Placeholder 18">
             <a:extLst>
               <a:ext uri="{FF2B5EF4-FFF2-40B4-BE49-F238E27FC236}">
-                <a16:creationId xmlns:a16="http://schemas.microsoft.com/office/drawing/2014/main" xmlns="" id="{F44A0C74-A714-A8C2-69D2-74CAD68037A5}"/>
+                <a16:creationId xmlns="" xmlns:a16="http://schemas.microsoft.com/office/drawing/2014/main" id="{F44A0C74-A714-A8C2-69D2-74CAD68037A5}"/>
               </a:ext>
             </a:extLst>
           </p:cNvPr>
@@ -22148,7 +22148,7 @@
           <p:cNvPr id="27" name="Text Placeholder 20">
             <a:extLst>
               <a:ext uri="{FF2B5EF4-FFF2-40B4-BE49-F238E27FC236}">
-                <a16:creationId xmlns:a16="http://schemas.microsoft.com/office/drawing/2014/main" xmlns="" id="{552F4682-3F02-2A70-A285-FB2D1822A4D6}"/>
+                <a16:creationId xmlns="" xmlns:a16="http://schemas.microsoft.com/office/drawing/2014/main" id="{552F4682-3F02-2A70-A285-FB2D1822A4D6}"/>
               </a:ext>
             </a:extLst>
           </p:cNvPr>
@@ -22189,7 +22189,7 @@
           <p:cNvPr id="12" name="Picture Placeholder 16">
             <a:extLst>
               <a:ext uri="{FF2B5EF4-FFF2-40B4-BE49-F238E27FC236}">
-                <a16:creationId xmlns:a16="http://schemas.microsoft.com/office/drawing/2014/main" xmlns="" id="{3D2AAC25-9404-1F6F-200C-5660F4995858}"/>
+                <a16:creationId xmlns="" xmlns:a16="http://schemas.microsoft.com/office/drawing/2014/main" id="{3D2AAC25-9404-1F6F-200C-5660F4995858}"/>
               </a:ext>
             </a:extLst>
           </p:cNvPr>
@@ -22239,7 +22239,7 @@
           <p:cNvPr id="20" name="Text Placeholder 18">
             <a:extLst>
               <a:ext uri="{FF2B5EF4-FFF2-40B4-BE49-F238E27FC236}">
-                <a16:creationId xmlns:a16="http://schemas.microsoft.com/office/drawing/2014/main" xmlns="" id="{AE4677E1-AC1B-AB9C-5E0C-794903DD1CEB}"/>
+                <a16:creationId xmlns="" xmlns:a16="http://schemas.microsoft.com/office/drawing/2014/main" id="{AE4677E1-AC1B-AB9C-5E0C-794903DD1CEB}"/>
               </a:ext>
             </a:extLst>
           </p:cNvPr>
@@ -22292,7 +22292,7 @@
           <p:cNvPr id="31" name="Text Placeholder 20">
             <a:extLst>
               <a:ext uri="{FF2B5EF4-FFF2-40B4-BE49-F238E27FC236}">
-                <a16:creationId xmlns:a16="http://schemas.microsoft.com/office/drawing/2014/main" xmlns="" id="{826BBF6C-7198-3C15-CDCB-E72B08709C1F}"/>
+                <a16:creationId xmlns="" xmlns:a16="http://schemas.microsoft.com/office/drawing/2014/main" id="{826BBF6C-7198-3C15-CDCB-E72B08709C1F}"/>
               </a:ext>
             </a:extLst>
           </p:cNvPr>
@@ -22333,7 +22333,7 @@
           <p:cNvPr id="29" name="Picture Placeholder 16">
             <a:extLst>
               <a:ext uri="{FF2B5EF4-FFF2-40B4-BE49-F238E27FC236}">
-                <a16:creationId xmlns:a16="http://schemas.microsoft.com/office/drawing/2014/main" xmlns="" id="{4F0F5D16-7316-B120-F378-E3D492FEEB9C}"/>
+                <a16:creationId xmlns="" xmlns:a16="http://schemas.microsoft.com/office/drawing/2014/main" id="{4F0F5D16-7316-B120-F378-E3D492FEEB9C}"/>
               </a:ext>
             </a:extLst>
           </p:cNvPr>
@@ -22383,7 +22383,7 @@
           <p:cNvPr id="28" name="Text Placeholder 18">
             <a:extLst>
               <a:ext uri="{FF2B5EF4-FFF2-40B4-BE49-F238E27FC236}">
-                <a16:creationId xmlns:a16="http://schemas.microsoft.com/office/drawing/2014/main" xmlns="" id="{47AC9724-9FC2-62FA-0DE7-3F9FE9B67A34}"/>
+                <a16:creationId xmlns="" xmlns:a16="http://schemas.microsoft.com/office/drawing/2014/main" id="{47AC9724-9FC2-62FA-0DE7-3F9FE9B67A34}"/>
               </a:ext>
             </a:extLst>
           </p:cNvPr>
@@ -22436,7 +22436,7 @@
           <p:cNvPr id="30" name="Text Placeholder 20">
             <a:extLst>
               <a:ext uri="{FF2B5EF4-FFF2-40B4-BE49-F238E27FC236}">
-                <a16:creationId xmlns:a16="http://schemas.microsoft.com/office/drawing/2014/main" xmlns="" id="{114EE337-FC29-F325-E528-A3F809B28B5B}"/>
+                <a16:creationId xmlns="" xmlns:a16="http://schemas.microsoft.com/office/drawing/2014/main" id="{114EE337-FC29-F325-E528-A3F809B28B5B}"/>
               </a:ext>
             </a:extLst>
           </p:cNvPr>
@@ -22477,7 +22477,7 @@
           <p:cNvPr id="13" name="Picture Placeholder 16">
             <a:extLst>
               <a:ext uri="{FF2B5EF4-FFF2-40B4-BE49-F238E27FC236}">
-                <a16:creationId xmlns:a16="http://schemas.microsoft.com/office/drawing/2014/main" xmlns="" id="{90CBAA5D-3D9B-0CB5-E527-996433638BE3}"/>
+                <a16:creationId xmlns="" xmlns:a16="http://schemas.microsoft.com/office/drawing/2014/main" id="{90CBAA5D-3D9B-0CB5-E527-996433638BE3}"/>
               </a:ext>
             </a:extLst>
           </p:cNvPr>
@@ -22527,7 +22527,7 @@
           <p:cNvPr id="32" name="Text Placeholder 18">
             <a:extLst>
               <a:ext uri="{FF2B5EF4-FFF2-40B4-BE49-F238E27FC236}">
-                <a16:creationId xmlns:a16="http://schemas.microsoft.com/office/drawing/2014/main" xmlns="" id="{5B47333C-2F5E-FA7D-5DD1-191E0F421B61}"/>
+                <a16:creationId xmlns="" xmlns:a16="http://schemas.microsoft.com/office/drawing/2014/main" id="{5B47333C-2F5E-FA7D-5DD1-191E0F421B61}"/>
               </a:ext>
             </a:extLst>
           </p:cNvPr>
@@ -22580,7 +22580,7 @@
           <p:cNvPr id="33" name="Text Placeholder 20">
             <a:extLst>
               <a:ext uri="{FF2B5EF4-FFF2-40B4-BE49-F238E27FC236}">
-                <a16:creationId xmlns:a16="http://schemas.microsoft.com/office/drawing/2014/main" xmlns="" id="{D0AA2AE2-5A11-76D4-4D9C-B6B24D1419D0}"/>
+                <a16:creationId xmlns="" xmlns:a16="http://schemas.microsoft.com/office/drawing/2014/main" id="{D0AA2AE2-5A11-76D4-4D9C-B6B24D1419D0}"/>
               </a:ext>
             </a:extLst>
           </p:cNvPr>
@@ -23165,7 +23165,7 @@
           <p:cNvPr id="2" name="Title 1">
             <a:extLst>
               <a:ext uri="{FF2B5EF4-FFF2-40B4-BE49-F238E27FC236}">
-                <a16:creationId xmlns:a16="http://schemas.microsoft.com/office/drawing/2014/main" xmlns="" id="{516860D9-9D47-C0BB-B2B4-4B6F2B36CFCC}"/>
+                <a16:creationId xmlns="" xmlns:a16="http://schemas.microsoft.com/office/drawing/2014/main" id="{516860D9-9D47-C0BB-B2B4-4B6F2B36CFCC}"/>
               </a:ext>
             </a:extLst>
           </p:cNvPr>
@@ -23198,7 +23198,7 @@
           <p:cNvPr id="4" name="Subtitle 2">
             <a:extLst>
               <a:ext uri="{FF2B5EF4-FFF2-40B4-BE49-F238E27FC236}">
-                <a16:creationId xmlns:a16="http://schemas.microsoft.com/office/drawing/2014/main" xmlns="" id="{D56AFFB2-1678-4B6D-9069-17B529D90302}"/>
+                <a16:creationId xmlns="" xmlns:a16="http://schemas.microsoft.com/office/drawing/2014/main" id="{D56AFFB2-1678-4B6D-9069-17B529D90302}"/>
               </a:ext>
             </a:extLst>
           </p:cNvPr>
@@ -23430,7 +23430,7 @@
           <p:cNvPr id="5" name="Rectangle 4">
             <a:extLst>
               <a:ext uri="{FF2B5EF4-FFF2-40B4-BE49-F238E27FC236}">
-                <a16:creationId xmlns:a16="http://schemas.microsoft.com/office/drawing/2014/main" xmlns="" id="{6B34FE15-7A9A-4313-8042-58E6875BBAFD}"/>
+                <a16:creationId xmlns="" xmlns:a16="http://schemas.microsoft.com/office/drawing/2014/main" id="{6B34FE15-7A9A-4313-8042-58E6875BBAFD}"/>
               </a:ext>
             </a:extLst>
           </p:cNvPr>
@@ -23473,7 +23473,7 @@
           <p:cNvPr id="7" name="Subtitle 2">
             <a:extLst>
               <a:ext uri="{FF2B5EF4-FFF2-40B4-BE49-F238E27FC236}">
-                <a16:creationId xmlns:a16="http://schemas.microsoft.com/office/drawing/2014/main" xmlns="" id="{5E02C102-F660-46C6-A26C-9A66E8BE4C2B}"/>
+                <a16:creationId xmlns="" xmlns:a16="http://schemas.microsoft.com/office/drawing/2014/main" id="{5E02C102-F660-46C6-A26C-9A66E8BE4C2B}"/>
               </a:ext>
             </a:extLst>
           </p:cNvPr>
@@ -23684,7 +23684,7 @@
           <p:cNvPr id="8" name="Subtitle 2">
             <a:extLst>
               <a:ext uri="{FF2B5EF4-FFF2-40B4-BE49-F238E27FC236}">
-                <a16:creationId xmlns:a16="http://schemas.microsoft.com/office/drawing/2014/main" xmlns="" id="{D890C425-CDD0-407E-9D37-77DB5F42EA31}"/>
+                <a16:creationId xmlns="" xmlns:a16="http://schemas.microsoft.com/office/drawing/2014/main" id="{D890C425-CDD0-407E-9D37-77DB5F42EA31}"/>
               </a:ext>
             </a:extLst>
           </p:cNvPr>
@@ -23895,7 +23895,7 @@
           <p:cNvPr id="9" name="Subtitle 2">
             <a:extLst>
               <a:ext uri="{FF2B5EF4-FFF2-40B4-BE49-F238E27FC236}">
-                <a16:creationId xmlns:a16="http://schemas.microsoft.com/office/drawing/2014/main" xmlns="" id="{89F3D97F-3B9A-4B45-95EE-D286C138D050}"/>
+                <a16:creationId xmlns="" xmlns:a16="http://schemas.microsoft.com/office/drawing/2014/main" id="{89F3D97F-3B9A-4B45-95EE-D286C138D050}"/>
               </a:ext>
             </a:extLst>
           </p:cNvPr>
@@ -24106,7 +24106,7 @@
           <p:cNvPr id="12" name="Picture 3">
             <a:extLst>
               <a:ext uri="{FF2B5EF4-FFF2-40B4-BE49-F238E27FC236}">
-                <a16:creationId xmlns:a16="http://schemas.microsoft.com/office/drawing/2014/main" xmlns="" id="{9E2D430D-8068-4754-AF24-A1DB142D4E31}"/>
+                <a16:creationId xmlns="" xmlns:a16="http://schemas.microsoft.com/office/drawing/2014/main" id="{9E2D430D-8068-4754-AF24-A1DB142D4E31}"/>
               </a:ext>
             </a:extLst>
           </p:cNvPr>
@@ -24196,7 +24196,7 @@
           <p:cNvPr id="8" name="Slide Number Placeholder 7">
             <a:extLst>
               <a:ext uri="{FF2B5EF4-FFF2-40B4-BE49-F238E27FC236}">
-                <a16:creationId xmlns:a16="http://schemas.microsoft.com/office/drawing/2014/main" xmlns="" id="{AECF22D2-2B16-C40D-AA90-609B5CD08B3D}"/>
+                <a16:creationId xmlns="" xmlns:a16="http://schemas.microsoft.com/office/drawing/2014/main" id="{AECF22D2-2B16-C40D-AA90-609B5CD08B3D}"/>
               </a:ext>
             </a:extLst>
           </p:cNvPr>
@@ -24225,7 +24225,7 @@
           <p:cNvPr id="4" name="Content Placeholder 3">
             <a:extLst>
               <a:ext uri="{FF2B5EF4-FFF2-40B4-BE49-F238E27FC236}">
-                <a16:creationId xmlns:a16="http://schemas.microsoft.com/office/drawing/2014/main" xmlns="" id="{5BCBFD5F-9247-485C-2171-C27843299D8B}"/>
+                <a16:creationId xmlns="" xmlns:a16="http://schemas.microsoft.com/office/drawing/2014/main" id="{5BCBFD5F-9247-485C-2171-C27843299D8B}"/>
               </a:ext>
             </a:extLst>
           </p:cNvPr>
@@ -24319,7 +24319,7 @@
           <p:cNvPr id="2" name="Title 1">
             <a:extLst>
               <a:ext uri="{FF2B5EF4-FFF2-40B4-BE49-F238E27FC236}">
-                <a16:creationId xmlns:a16="http://schemas.microsoft.com/office/drawing/2014/main" xmlns="" id="{9FFA8061-3566-A864-C499-8EF8443A1666}"/>
+                <a16:creationId xmlns="" xmlns:a16="http://schemas.microsoft.com/office/drawing/2014/main" id="{9FFA8061-3566-A864-C499-8EF8443A1666}"/>
               </a:ext>
             </a:extLst>
           </p:cNvPr>
@@ -24352,7 +24352,7 @@
           <p:cNvPr id="3" name="Content Placeholder 2">
             <a:extLst>
               <a:ext uri="{FF2B5EF4-FFF2-40B4-BE49-F238E27FC236}">
-                <a16:creationId xmlns:a16="http://schemas.microsoft.com/office/drawing/2014/main" xmlns="" id="{B2995CE5-F0A8-6D8A-E475-E8E72DA2E252}"/>
+                <a16:creationId xmlns="" xmlns:a16="http://schemas.microsoft.com/office/drawing/2014/main" id="{B2995CE5-F0A8-6D8A-E475-E8E72DA2E252}"/>
               </a:ext>
             </a:extLst>
           </p:cNvPr>
@@ -24489,7 +24489,7 @@
           <p:cNvPr id="5" name="Slide Number Placeholder 4">
             <a:extLst>
               <a:ext uri="{FF2B5EF4-FFF2-40B4-BE49-F238E27FC236}">
-                <a16:creationId xmlns:a16="http://schemas.microsoft.com/office/drawing/2014/main" xmlns="" id="{3AFA9F83-E96A-591E-D930-DB6933C7A2CA}"/>
+                <a16:creationId xmlns="" xmlns:a16="http://schemas.microsoft.com/office/drawing/2014/main" id="{3AFA9F83-E96A-591E-D930-DB6933C7A2CA}"/>
               </a:ext>
             </a:extLst>
           </p:cNvPr>
@@ -24548,7 +24548,7 @@
           <p:cNvPr id="2" name="Title 1">
             <a:extLst>
               <a:ext uri="{FF2B5EF4-FFF2-40B4-BE49-F238E27FC236}">
-                <a16:creationId xmlns:a16="http://schemas.microsoft.com/office/drawing/2014/main" xmlns="" id="{52134F88-4755-0014-AC00-AAF655B26533}"/>
+                <a16:creationId xmlns="" xmlns:a16="http://schemas.microsoft.com/office/drawing/2014/main" id="{52134F88-4755-0014-AC00-AAF655B26533}"/>
               </a:ext>
             </a:extLst>
           </p:cNvPr>
@@ -24581,7 +24581,7 @@
           <p:cNvPr id="3" name="Content Placeholder 2">
             <a:extLst>
               <a:ext uri="{FF2B5EF4-FFF2-40B4-BE49-F238E27FC236}">
-                <a16:creationId xmlns:a16="http://schemas.microsoft.com/office/drawing/2014/main" xmlns="" id="{441B6727-7306-AC67-212D-4568F953AAD6}"/>
+                <a16:creationId xmlns="" xmlns:a16="http://schemas.microsoft.com/office/drawing/2014/main" id="{441B6727-7306-AC67-212D-4568F953AAD6}"/>
               </a:ext>
             </a:extLst>
           </p:cNvPr>
@@ -24681,7 +24681,7 @@
           <p:cNvPr id="5" name="Slide Number Placeholder 4">
             <a:extLst>
               <a:ext uri="{FF2B5EF4-FFF2-40B4-BE49-F238E27FC236}">
-                <a16:creationId xmlns:a16="http://schemas.microsoft.com/office/drawing/2014/main" xmlns="" id="{72ED7542-7CDF-5B0C-10CB-FE4E644A8DA2}"/>
+                <a16:creationId xmlns="" xmlns:a16="http://schemas.microsoft.com/office/drawing/2014/main" id="{72ED7542-7CDF-5B0C-10CB-FE4E644A8DA2}"/>
               </a:ext>
             </a:extLst>
           </p:cNvPr>
@@ -24740,7 +24740,7 @@
           <p:cNvPr id="2" name="Title 1">
             <a:extLst>
               <a:ext uri="{FF2B5EF4-FFF2-40B4-BE49-F238E27FC236}">
-                <a16:creationId xmlns:a16="http://schemas.microsoft.com/office/drawing/2014/main" xmlns="" id="{E7DF8C77-F38E-A77B-1A6C-40E5AF8398ED}"/>
+                <a16:creationId xmlns="" xmlns:a16="http://schemas.microsoft.com/office/drawing/2014/main" id="{E7DF8C77-F38E-A77B-1A6C-40E5AF8398ED}"/>
               </a:ext>
             </a:extLst>
           </p:cNvPr>
@@ -24777,7 +24777,7 @@
           <p:cNvPr id="5" name="Slide Number Placeholder 4">
             <a:extLst>
               <a:ext uri="{FF2B5EF4-FFF2-40B4-BE49-F238E27FC236}">
-                <a16:creationId xmlns:a16="http://schemas.microsoft.com/office/drawing/2014/main" xmlns="" id="{480EA536-F9E3-7A99-9ED7-8C161AA86429}"/>
+                <a16:creationId xmlns="" xmlns:a16="http://schemas.microsoft.com/office/drawing/2014/main" id="{480EA536-F9E3-7A99-9ED7-8C161AA86429}"/>
               </a:ext>
             </a:extLst>
           </p:cNvPr>
@@ -24806,7 +24806,7 @@
           <p:cNvPr id="7" name="Picture 6">
             <a:extLst>
               <a:ext uri="{FF2B5EF4-FFF2-40B4-BE49-F238E27FC236}">
-                <a16:creationId xmlns:a16="http://schemas.microsoft.com/office/drawing/2014/main" xmlns="" id="{BD80145E-5BC5-4D59-9007-E7C5C2FBDCA7}"/>
+                <a16:creationId xmlns="" xmlns:a16="http://schemas.microsoft.com/office/drawing/2014/main" id="{BD80145E-5BC5-4D59-9007-E7C5C2FBDCA7}"/>
               </a:ext>
             </a:extLst>
           </p:cNvPr>
@@ -24842,7 +24842,7 @@
           <p:cNvPr id="10" name="Subtitle 2">
             <a:extLst>
               <a:ext uri="{FF2B5EF4-FFF2-40B4-BE49-F238E27FC236}">
-                <a16:creationId xmlns:a16="http://schemas.microsoft.com/office/drawing/2014/main" xmlns="" id="{6081B8AB-C70C-499F-B6A3-2081BEAA7F7E}"/>
+                <a16:creationId xmlns="" xmlns:a16="http://schemas.microsoft.com/office/drawing/2014/main" id="{6081B8AB-C70C-499F-B6A3-2081BEAA7F7E}"/>
               </a:ext>
             </a:extLst>
           </p:cNvPr>
@@ -25099,7 +25099,7 @@
           <p:cNvPr id="5" name="Slide Number Placeholder 4">
             <a:extLst>
               <a:ext uri="{FF2B5EF4-FFF2-40B4-BE49-F238E27FC236}">
-                <a16:creationId xmlns:a16="http://schemas.microsoft.com/office/drawing/2014/main" xmlns="" id="{480EA536-F9E3-7A99-9ED7-8C161AA86429}"/>
+                <a16:creationId xmlns="" xmlns:a16="http://schemas.microsoft.com/office/drawing/2014/main" id="{480EA536-F9E3-7A99-9ED7-8C161AA86429}"/>
               </a:ext>
             </a:extLst>
           </p:cNvPr>
@@ -25128,7 +25128,7 @@
           <p:cNvPr id="4" name="Picture 3">
             <a:extLst>
               <a:ext uri="{FF2B5EF4-FFF2-40B4-BE49-F238E27FC236}">
-                <a16:creationId xmlns:a16="http://schemas.microsoft.com/office/drawing/2014/main" xmlns="" id="{A6E4B810-25E3-4609-875A-A17080124686}"/>
+                <a16:creationId xmlns="" xmlns:a16="http://schemas.microsoft.com/office/drawing/2014/main" id="{A6E4B810-25E3-4609-875A-A17080124686}"/>
               </a:ext>
             </a:extLst>
           </p:cNvPr>
@@ -25200,7 +25200,7 @@
           <p:cNvPr id="2" name="Title 1">
             <a:extLst>
               <a:ext uri="{FF2B5EF4-FFF2-40B4-BE49-F238E27FC236}">
-                <a16:creationId xmlns:a16="http://schemas.microsoft.com/office/drawing/2014/main" xmlns="" id="{884B311B-3177-0658-3585-6639F26A9BF6}"/>
+                <a16:creationId xmlns="" xmlns:a16="http://schemas.microsoft.com/office/drawing/2014/main" id="{884B311B-3177-0658-3585-6639F26A9BF6}"/>
               </a:ext>
             </a:extLst>
           </p:cNvPr>
@@ -25243,7 +25243,7 @@
           <p:cNvPr id="8" name="Slide Number Placeholder 7">
             <a:extLst>
               <a:ext uri="{FF2B5EF4-FFF2-40B4-BE49-F238E27FC236}">
-                <a16:creationId xmlns:a16="http://schemas.microsoft.com/office/drawing/2014/main" xmlns="" id="{AECF22D2-2B16-C40D-AA90-609B5CD08B3D}"/>
+                <a16:creationId xmlns="" xmlns:a16="http://schemas.microsoft.com/office/drawing/2014/main" id="{AECF22D2-2B16-C40D-AA90-609B5CD08B3D}"/>
               </a:ext>
             </a:extLst>
           </p:cNvPr>
@@ -25272,7 +25272,7 @@
           <p:cNvPr id="4" name="Content Placeholder 3">
             <a:extLst>
               <a:ext uri="{FF2B5EF4-FFF2-40B4-BE49-F238E27FC236}">
-                <a16:creationId xmlns:a16="http://schemas.microsoft.com/office/drawing/2014/main" xmlns="" id="{5BCBFD5F-9247-485C-2171-C27843299D8B}"/>
+                <a16:creationId xmlns="" xmlns:a16="http://schemas.microsoft.com/office/drawing/2014/main" id="{5BCBFD5F-9247-485C-2171-C27843299D8B}"/>
               </a:ext>
             </a:extLst>
           </p:cNvPr>
@@ -25368,19 +25368,8 @@
                 <a:latin typeface="Times New Roman" pitchFamily="18" charset="0"/>
                 <a:cs typeface="Times New Roman" pitchFamily="18" charset="0"/>
               </a:rPr>
-              <a:t>add more functionalities using crud operations if more time and resources are provided. This may include functionalities of teacher to add submission tasks and attendance reports of students. On simila</a:t>
-            </a:r>
-            <a:r>
-              <a:rPr lang="en-US" sz="2000" dirty="0" smtClean="0">
-                <a:latin typeface="Times New Roman" pitchFamily="18" charset="0"/>
-                <a:cs typeface="Times New Roman" pitchFamily="18" charset="0"/>
-              </a:rPr>
-              <a:t>r lines functionalities of students can be improved too.</a:t>
-            </a:r>
-            <a:endParaRPr lang="en-US" sz="2000" dirty="0" smtClean="0">
-              <a:latin typeface="Times New Roman" pitchFamily="18" charset="0"/>
-              <a:cs typeface="Times New Roman" pitchFamily="18" charset="0"/>
-            </a:endParaRPr>
+              <a:t>add more functionalities using crud operations if more time and resources are provided. This may include functionalities of teacher to add submission tasks and attendance reports of students. On similar lines functionalities of students can be improved too.</a:t>
+            </a:r>
           </a:p>
           <a:p>
             <a:pPr lvl="1"/>
@@ -25485,7 +25474,7 @@
           <p:cNvPr id="2" name="Title 1">
             <a:extLst>
               <a:ext uri="{FF2B5EF4-FFF2-40B4-BE49-F238E27FC236}">
-                <a16:creationId xmlns:a16="http://schemas.microsoft.com/office/drawing/2014/main" xmlns="" id="{E7DF8C77-F38E-A77B-1A6C-40E5AF8398ED}"/>
+                <a16:creationId xmlns="" xmlns:a16="http://schemas.microsoft.com/office/drawing/2014/main" id="{E7DF8C77-F38E-A77B-1A6C-40E5AF8398ED}"/>
               </a:ext>
             </a:extLst>
           </p:cNvPr>
@@ -25518,7 +25507,7 @@
           <p:cNvPr id="3" name="Content Placeholder 2">
             <a:extLst>
               <a:ext uri="{FF2B5EF4-FFF2-40B4-BE49-F238E27FC236}">
-                <a16:creationId xmlns:a16="http://schemas.microsoft.com/office/drawing/2014/main" xmlns="" id="{D3F35BBE-C0B4-8D1A-0945-B79522CE4402}"/>
+                <a16:creationId xmlns="" xmlns:a16="http://schemas.microsoft.com/office/drawing/2014/main" id="{D3F35BBE-C0B4-8D1A-0945-B79522CE4402}"/>
               </a:ext>
             </a:extLst>
           </p:cNvPr>
@@ -25637,7 +25626,7 @@
           <p:cNvPr id="5" name="Slide Number Placeholder 4">
             <a:extLst>
               <a:ext uri="{FF2B5EF4-FFF2-40B4-BE49-F238E27FC236}">
-                <a16:creationId xmlns:a16="http://schemas.microsoft.com/office/drawing/2014/main" xmlns="" id="{480EA536-F9E3-7A99-9ED7-8C161AA86429}"/>
+                <a16:creationId xmlns="" xmlns:a16="http://schemas.microsoft.com/office/drawing/2014/main" id="{480EA536-F9E3-7A99-9ED7-8C161AA86429}"/>
               </a:ext>
             </a:extLst>
           </p:cNvPr>
@@ -25696,7 +25685,7 @@
           <p:cNvPr id="2" name="Title 1">
             <a:extLst>
               <a:ext uri="{FF2B5EF4-FFF2-40B4-BE49-F238E27FC236}">
-                <a16:creationId xmlns:a16="http://schemas.microsoft.com/office/drawing/2014/main" xmlns="" id="{800AB426-5B7C-607E-D413-5D2C9495CC0A}"/>
+                <a16:creationId xmlns="" xmlns:a16="http://schemas.microsoft.com/office/drawing/2014/main" id="{800AB426-5B7C-607E-D413-5D2C9495CC0A}"/>
               </a:ext>
             </a:extLst>
           </p:cNvPr>
@@ -25759,7 +25748,7 @@
           <p:cNvPr id="2" name="Title 1">
             <a:extLst>
               <a:ext uri="{FF2B5EF4-FFF2-40B4-BE49-F238E27FC236}">
-                <a16:creationId xmlns:a16="http://schemas.microsoft.com/office/drawing/2014/main" xmlns="" id="{85C565E9-D88A-55D3-9D42-BD1C24B6DE9F}"/>
+                <a16:creationId xmlns="" xmlns:a16="http://schemas.microsoft.com/office/drawing/2014/main" id="{85C565E9-D88A-55D3-9D42-BD1C24B6DE9F}"/>
               </a:ext>
             </a:extLst>
           </p:cNvPr>
@@ -25806,7 +25795,7 @@
           <p:cNvPr id="3" name="Content Placeholder 2">
             <a:extLst>
               <a:ext uri="{FF2B5EF4-FFF2-40B4-BE49-F238E27FC236}">
-                <a16:creationId xmlns:a16="http://schemas.microsoft.com/office/drawing/2014/main" xmlns="" id="{4D1F66E5-D2D7-172B-46BA-FEBFE092CC7F}"/>
+                <a16:creationId xmlns="" xmlns:a16="http://schemas.microsoft.com/office/drawing/2014/main" id="{4D1F66E5-D2D7-172B-46BA-FEBFE092CC7F}"/>
               </a:ext>
             </a:extLst>
           </p:cNvPr>
@@ -25934,7 +25923,7 @@
           <p:cNvPr id="2" name="Title 1">
             <a:extLst>
               <a:ext uri="{FF2B5EF4-FFF2-40B4-BE49-F238E27FC236}">
-                <a16:creationId xmlns:a16="http://schemas.microsoft.com/office/drawing/2014/main" xmlns="" id="{4A940BC6-9DA0-FB4D-8879-DC8B3958C07C}"/>
+                <a16:creationId xmlns="" xmlns:a16="http://schemas.microsoft.com/office/drawing/2014/main" id="{4A940BC6-9DA0-FB4D-8879-DC8B3958C07C}"/>
               </a:ext>
             </a:extLst>
           </p:cNvPr>
@@ -25968,7 +25957,7 @@
           <p:cNvPr id="3" name="Content Placeholder 2">
             <a:extLst>
               <a:ext uri="{FF2B5EF4-FFF2-40B4-BE49-F238E27FC236}">
-                <a16:creationId xmlns:a16="http://schemas.microsoft.com/office/drawing/2014/main" xmlns="" id="{1E0B8C4B-3A3C-9FD1-59FB-1666C1F09376}"/>
+                <a16:creationId xmlns="" xmlns:a16="http://schemas.microsoft.com/office/drawing/2014/main" id="{1E0B8C4B-3A3C-9FD1-59FB-1666C1F09376}"/>
               </a:ext>
             </a:extLst>
           </p:cNvPr>
@@ -26040,7 +26029,7 @@
           <p:cNvPr id="15" name="Slide Number Placeholder 14">
             <a:extLst>
               <a:ext uri="{FF2B5EF4-FFF2-40B4-BE49-F238E27FC236}">
-                <a16:creationId xmlns:a16="http://schemas.microsoft.com/office/drawing/2014/main" xmlns="" id="{7FC3FD3F-45EE-74E3-AD64-441303B83EF3}"/>
+                <a16:creationId xmlns="" xmlns:a16="http://schemas.microsoft.com/office/drawing/2014/main" id="{7FC3FD3F-45EE-74E3-AD64-441303B83EF3}"/>
               </a:ext>
             </a:extLst>
           </p:cNvPr>
@@ -26099,7 +26088,7 @@
           <p:cNvPr id="2" name="Title 1">
             <a:extLst>
               <a:ext uri="{FF2B5EF4-FFF2-40B4-BE49-F238E27FC236}">
-                <a16:creationId xmlns:a16="http://schemas.microsoft.com/office/drawing/2014/main" xmlns="" id="{69125542-D540-B766-0FA1-10DE2ED0495C}"/>
+                <a16:creationId xmlns="" xmlns:a16="http://schemas.microsoft.com/office/drawing/2014/main" id="{69125542-D540-B766-0FA1-10DE2ED0495C}"/>
               </a:ext>
             </a:extLst>
           </p:cNvPr>
@@ -26142,7 +26131,7 @@
           <p:cNvPr id="7" name="Slide Number Placeholder 6">
             <a:extLst>
               <a:ext uri="{FF2B5EF4-FFF2-40B4-BE49-F238E27FC236}">
-                <a16:creationId xmlns:a16="http://schemas.microsoft.com/office/drawing/2014/main" xmlns="" id="{712D1D31-1A67-703B-DF69-CA8142BF6A2D}"/>
+                <a16:creationId xmlns="" xmlns:a16="http://schemas.microsoft.com/office/drawing/2014/main" id="{712D1D31-1A67-703B-DF69-CA8142BF6A2D}"/>
               </a:ext>
             </a:extLst>
           </p:cNvPr>
@@ -26171,7 +26160,7 @@
           <p:cNvPr id="8" name="TextBox 7">
             <a:extLst>
               <a:ext uri="{FF2B5EF4-FFF2-40B4-BE49-F238E27FC236}">
-                <a16:creationId xmlns:a16="http://schemas.microsoft.com/office/drawing/2014/main" xmlns="" id="{BA01CA8E-AABB-1FF7-5160-8A034DFC4C18}"/>
+                <a16:creationId xmlns="" xmlns:a16="http://schemas.microsoft.com/office/drawing/2014/main" id="{BA01CA8E-AABB-1FF7-5160-8A034DFC4C18}"/>
               </a:ext>
             </a:extLst>
           </p:cNvPr>
@@ -26233,7 +26222,7 @@
           <p:cNvPr id="9" name="Rectangle: Rounded Corners 8">
             <a:extLst>
               <a:ext uri="{FF2B5EF4-FFF2-40B4-BE49-F238E27FC236}">
-                <a16:creationId xmlns:a16="http://schemas.microsoft.com/office/drawing/2014/main" xmlns="" id="{65EED766-1BE6-2B2A-03C3-E97E9A49D669}"/>
+                <a16:creationId xmlns="" xmlns:a16="http://schemas.microsoft.com/office/drawing/2014/main" id="{65EED766-1BE6-2B2A-03C3-E97E9A49D669}"/>
               </a:ext>
             </a:extLst>
           </p:cNvPr>
@@ -26305,7 +26294,7 @@
           <p:cNvPr id="10" name="TextBox 9">
             <a:extLst>
               <a:ext uri="{FF2B5EF4-FFF2-40B4-BE49-F238E27FC236}">
-                <a16:creationId xmlns:a16="http://schemas.microsoft.com/office/drawing/2014/main" xmlns="" id="{308CFF5D-1CA1-B09E-A0E2-A3AC0F206535}"/>
+                <a16:creationId xmlns="" xmlns:a16="http://schemas.microsoft.com/office/drawing/2014/main" id="{308CFF5D-1CA1-B09E-A0E2-A3AC0F206535}"/>
               </a:ext>
             </a:extLst>
           </p:cNvPr>
@@ -26340,7 +26329,7 @@
           <p:cNvPr id="11" name="TextBox 10">
             <a:extLst>
               <a:ext uri="{FF2B5EF4-FFF2-40B4-BE49-F238E27FC236}">
-                <a16:creationId xmlns:a16="http://schemas.microsoft.com/office/drawing/2014/main" xmlns="" id="{1E7F942B-A75F-40D8-2FC2-915C3BEFEE9B}"/>
+                <a16:creationId xmlns="" xmlns:a16="http://schemas.microsoft.com/office/drawing/2014/main" id="{1E7F942B-A75F-40D8-2FC2-915C3BEFEE9B}"/>
               </a:ext>
             </a:extLst>
           </p:cNvPr>
@@ -26422,7 +26411,7 @@
           <p:cNvPr id="12" name="TextBox 11">
             <a:extLst>
               <a:ext uri="{FF2B5EF4-FFF2-40B4-BE49-F238E27FC236}">
-                <a16:creationId xmlns:a16="http://schemas.microsoft.com/office/drawing/2014/main" xmlns="" id="{B616B208-D3CF-7E07-4502-C24E5DF73FCE}"/>
+                <a16:creationId xmlns="" xmlns:a16="http://schemas.microsoft.com/office/drawing/2014/main" id="{B616B208-D3CF-7E07-4502-C24E5DF73FCE}"/>
               </a:ext>
             </a:extLst>
           </p:cNvPr>
@@ -26497,7 +26486,7 @@
           <p:cNvPr id="13" name="Rectangle: Rounded Corners 12">
             <a:extLst>
               <a:ext uri="{FF2B5EF4-FFF2-40B4-BE49-F238E27FC236}">
-                <a16:creationId xmlns:a16="http://schemas.microsoft.com/office/drawing/2014/main" xmlns="" id="{C0DC5233-D426-1315-1D25-15BDEE5C2F49}"/>
+                <a16:creationId xmlns="" xmlns:a16="http://schemas.microsoft.com/office/drawing/2014/main" id="{C0DC5233-D426-1315-1D25-15BDEE5C2F49}"/>
               </a:ext>
             </a:extLst>
           </p:cNvPr>
@@ -26569,7 +26558,7 @@
           <p:cNvPr id="14" name="TextBox 13">
             <a:extLst>
               <a:ext uri="{FF2B5EF4-FFF2-40B4-BE49-F238E27FC236}">
-                <a16:creationId xmlns:a16="http://schemas.microsoft.com/office/drawing/2014/main" xmlns="" id="{DD66C642-4A87-B6F9-2918-AA8EA94649E7}"/>
+                <a16:creationId xmlns="" xmlns:a16="http://schemas.microsoft.com/office/drawing/2014/main" id="{DD66C642-4A87-B6F9-2918-AA8EA94649E7}"/>
               </a:ext>
             </a:extLst>
           </p:cNvPr>
@@ -26631,7 +26620,7 @@
           <p:cNvPr id="15" name="TextBox 14">
             <a:extLst>
               <a:ext uri="{FF2B5EF4-FFF2-40B4-BE49-F238E27FC236}">
-                <a16:creationId xmlns:a16="http://schemas.microsoft.com/office/drawing/2014/main" xmlns="" id="{D22B5150-6C59-DBC3-098F-E9D4DE644367}"/>
+                <a16:creationId xmlns="" xmlns:a16="http://schemas.microsoft.com/office/drawing/2014/main" id="{D22B5150-6C59-DBC3-098F-E9D4DE644367}"/>
               </a:ext>
             </a:extLst>
           </p:cNvPr>
@@ -26699,7 +26688,7 @@
           <p:cNvPr id="17" name="TextBox 16">
             <a:extLst>
               <a:ext uri="{FF2B5EF4-FFF2-40B4-BE49-F238E27FC236}">
-                <a16:creationId xmlns:a16="http://schemas.microsoft.com/office/drawing/2014/main" xmlns="" id="{69643EC3-D68E-ACF2-F9EE-CD7DA1D28F84}"/>
+                <a16:creationId xmlns="" xmlns:a16="http://schemas.microsoft.com/office/drawing/2014/main" id="{69643EC3-D68E-ACF2-F9EE-CD7DA1D28F84}"/>
               </a:ext>
             </a:extLst>
           </p:cNvPr>
@@ -26751,7 +26740,7 @@
           <p:cNvPr id="21" name="TextBox 20">
             <a:extLst>
               <a:ext uri="{FF2B5EF4-FFF2-40B4-BE49-F238E27FC236}">
-                <a16:creationId xmlns:a16="http://schemas.microsoft.com/office/drawing/2014/main" xmlns="" id="{EC55177C-EEDD-AD4E-86B4-65FF229E5FA7}"/>
+                <a16:creationId xmlns="" xmlns:a16="http://schemas.microsoft.com/office/drawing/2014/main" id="{EC55177C-EEDD-AD4E-86B4-65FF229E5FA7}"/>
               </a:ext>
             </a:extLst>
           </p:cNvPr>
@@ -26786,7 +26775,7 @@
           <p:cNvPr id="22" name="Flowchart: Magnetic Disk 21">
             <a:extLst>
               <a:ext uri="{FF2B5EF4-FFF2-40B4-BE49-F238E27FC236}">
-                <a16:creationId xmlns:a16="http://schemas.microsoft.com/office/drawing/2014/main" xmlns="" id="{9C51B9A0-820B-2AAD-F71D-1B885A0D9470}"/>
+                <a16:creationId xmlns="" xmlns:a16="http://schemas.microsoft.com/office/drawing/2014/main" id="{9C51B9A0-820B-2AAD-F71D-1B885A0D9470}"/>
               </a:ext>
             </a:extLst>
           </p:cNvPr>
@@ -26856,7 +26845,7 @@
           <p:cNvPr id="23" name="TextBox 22">
             <a:extLst>
               <a:ext uri="{FF2B5EF4-FFF2-40B4-BE49-F238E27FC236}">
-                <a16:creationId xmlns:a16="http://schemas.microsoft.com/office/drawing/2014/main" xmlns="" id="{4525F7CD-91F0-EC33-8890-FF592253459A}"/>
+                <a16:creationId xmlns="" xmlns:a16="http://schemas.microsoft.com/office/drawing/2014/main" id="{4525F7CD-91F0-EC33-8890-FF592253459A}"/>
               </a:ext>
             </a:extLst>
           </p:cNvPr>
@@ -26891,7 +26880,7 @@
           <p:cNvPr id="25" name="Connector: Elbow 24">
             <a:extLst>
               <a:ext uri="{FF2B5EF4-FFF2-40B4-BE49-F238E27FC236}">
-                <a16:creationId xmlns:a16="http://schemas.microsoft.com/office/drawing/2014/main" xmlns="" id="{EB867942-6059-6FC6-7716-3C5DDF23BC87}"/>
+                <a16:creationId xmlns="" xmlns:a16="http://schemas.microsoft.com/office/drawing/2014/main" id="{EB867942-6059-6FC6-7716-3C5DDF23BC87}"/>
               </a:ext>
             </a:extLst>
           </p:cNvPr>
@@ -26933,7 +26922,7 @@
           <p:cNvPr id="27" name="Connector: Elbow 26">
             <a:extLst>
               <a:ext uri="{FF2B5EF4-FFF2-40B4-BE49-F238E27FC236}">
-                <a16:creationId xmlns:a16="http://schemas.microsoft.com/office/drawing/2014/main" xmlns="" id="{B5FD50D2-65F9-6D29-94CC-D05E6C7F4575}"/>
+                <a16:creationId xmlns="" xmlns:a16="http://schemas.microsoft.com/office/drawing/2014/main" id="{B5FD50D2-65F9-6D29-94CC-D05E6C7F4575}"/>
               </a:ext>
             </a:extLst>
           </p:cNvPr>
@@ -27007,7 +26996,7 @@
           <p:cNvPr id="8" name="Slide Number Placeholder 7">
             <a:extLst>
               <a:ext uri="{FF2B5EF4-FFF2-40B4-BE49-F238E27FC236}">
-                <a16:creationId xmlns:a16="http://schemas.microsoft.com/office/drawing/2014/main" xmlns="" id="{AECF22D2-2B16-C40D-AA90-609B5CD08B3D}"/>
+                <a16:creationId xmlns="" xmlns:a16="http://schemas.microsoft.com/office/drawing/2014/main" id="{AECF22D2-2B16-C40D-AA90-609B5CD08B3D}"/>
               </a:ext>
             </a:extLst>
           </p:cNvPr>
@@ -27036,7 +27025,7 @@
           <p:cNvPr id="6" name="Picture 5">
             <a:extLst>
               <a:ext uri="{FF2B5EF4-FFF2-40B4-BE49-F238E27FC236}">
-                <a16:creationId xmlns:a16="http://schemas.microsoft.com/office/drawing/2014/main" xmlns="" id="{B66E7D69-F466-48A9-88F0-F9508B8A2119}"/>
+                <a16:creationId xmlns="" xmlns:a16="http://schemas.microsoft.com/office/drawing/2014/main" id="{B66E7D69-F466-48A9-88F0-F9508B8A2119}"/>
               </a:ext>
             </a:extLst>
           </p:cNvPr>
@@ -27096,7 +27085,7 @@
           <p:cNvPr id="2" name="Title 1">
             <a:extLst>
               <a:ext uri="{FF2B5EF4-FFF2-40B4-BE49-F238E27FC236}">
-                <a16:creationId xmlns:a16="http://schemas.microsoft.com/office/drawing/2014/main" xmlns="" id="{884B311B-3177-0658-3585-6639F26A9BF6}"/>
+                <a16:creationId xmlns="" xmlns:a16="http://schemas.microsoft.com/office/drawing/2014/main" id="{884B311B-3177-0658-3585-6639F26A9BF6}"/>
               </a:ext>
             </a:extLst>
           </p:cNvPr>
@@ -27139,7 +27128,7 @@
           <p:cNvPr id="8" name="Slide Number Placeholder 7">
             <a:extLst>
               <a:ext uri="{FF2B5EF4-FFF2-40B4-BE49-F238E27FC236}">
-                <a16:creationId xmlns:a16="http://schemas.microsoft.com/office/drawing/2014/main" xmlns="" id="{AECF22D2-2B16-C40D-AA90-609B5CD08B3D}"/>
+                <a16:creationId xmlns="" xmlns:a16="http://schemas.microsoft.com/office/drawing/2014/main" id="{AECF22D2-2B16-C40D-AA90-609B5CD08B3D}"/>
               </a:ext>
             </a:extLst>
           </p:cNvPr>
@@ -27168,7 +27157,7 @@
           <p:cNvPr id="12" name="Picture 11">
             <a:extLst>
               <a:ext uri="{FF2B5EF4-FFF2-40B4-BE49-F238E27FC236}">
-                <a16:creationId xmlns:a16="http://schemas.microsoft.com/office/drawing/2014/main" xmlns="" id="{51024304-BEF7-46A9-B0BD-546B6BE7D391}"/>
+                <a16:creationId xmlns="" xmlns:a16="http://schemas.microsoft.com/office/drawing/2014/main" id="{51024304-BEF7-46A9-B0BD-546B6BE7D391}"/>
               </a:ext>
             </a:extLst>
           </p:cNvPr>
@@ -27228,7 +27217,7 @@
           <p:cNvPr id="8" name="Slide Number Placeholder 7">
             <a:extLst>
               <a:ext uri="{FF2B5EF4-FFF2-40B4-BE49-F238E27FC236}">
-                <a16:creationId xmlns:a16="http://schemas.microsoft.com/office/drawing/2014/main" xmlns="" id="{AECF22D2-2B16-C40D-AA90-609B5CD08B3D}"/>
+                <a16:creationId xmlns="" xmlns:a16="http://schemas.microsoft.com/office/drawing/2014/main" id="{AECF22D2-2B16-C40D-AA90-609B5CD08B3D}"/>
               </a:ext>
             </a:extLst>
           </p:cNvPr>
@@ -27257,7 +27246,7 @@
           <p:cNvPr id="3" name="Picture 2">
             <a:extLst>
               <a:ext uri="{FF2B5EF4-FFF2-40B4-BE49-F238E27FC236}">
-                <a16:creationId xmlns:a16="http://schemas.microsoft.com/office/drawing/2014/main" xmlns="" id="{75A4FFC0-293F-43FF-A00A-AD4C5BCF1DBB}"/>
+                <a16:creationId xmlns="" xmlns:a16="http://schemas.microsoft.com/office/drawing/2014/main" id="{75A4FFC0-293F-43FF-A00A-AD4C5BCF1DBB}"/>
               </a:ext>
             </a:extLst>
           </p:cNvPr>
@@ -27317,7 +27306,7 @@
           <p:cNvPr id="8" name="Slide Number Placeholder 7">
             <a:extLst>
               <a:ext uri="{FF2B5EF4-FFF2-40B4-BE49-F238E27FC236}">
-                <a16:creationId xmlns:a16="http://schemas.microsoft.com/office/drawing/2014/main" xmlns="" id="{AECF22D2-2B16-C40D-AA90-609B5CD08B3D}"/>
+                <a16:creationId xmlns="" xmlns:a16="http://schemas.microsoft.com/office/drawing/2014/main" id="{AECF22D2-2B16-C40D-AA90-609B5CD08B3D}"/>
               </a:ext>
             </a:extLst>
           </p:cNvPr>
@@ -27346,7 +27335,7 @@
           <p:cNvPr id="3" name="Picture 2">
             <a:extLst>
               <a:ext uri="{FF2B5EF4-FFF2-40B4-BE49-F238E27FC236}">
-                <a16:creationId xmlns:a16="http://schemas.microsoft.com/office/drawing/2014/main" xmlns="" id="{87F0C61B-F67D-4474-85BA-35F7816EC577}"/>
+                <a16:creationId xmlns="" xmlns:a16="http://schemas.microsoft.com/office/drawing/2014/main" id="{87F0C61B-F67D-4474-85BA-35F7816EC577}"/>
               </a:ext>
             </a:extLst>
           </p:cNvPr>
@@ -27406,7 +27395,7 @@
           <p:cNvPr id="2" name="Title 1">
             <a:extLst>
               <a:ext uri="{FF2B5EF4-FFF2-40B4-BE49-F238E27FC236}">
-                <a16:creationId xmlns:a16="http://schemas.microsoft.com/office/drawing/2014/main" xmlns="" id="{884B311B-3177-0658-3585-6639F26A9BF6}"/>
+                <a16:creationId xmlns="" xmlns:a16="http://schemas.microsoft.com/office/drawing/2014/main" id="{884B311B-3177-0658-3585-6639F26A9BF6}"/>
               </a:ext>
             </a:extLst>
           </p:cNvPr>
@@ -27449,7 +27438,7 @@
           <p:cNvPr id="8" name="Slide Number Placeholder 7">
             <a:extLst>
               <a:ext uri="{FF2B5EF4-FFF2-40B4-BE49-F238E27FC236}">
-                <a16:creationId xmlns:a16="http://schemas.microsoft.com/office/drawing/2014/main" xmlns="" id="{AECF22D2-2B16-C40D-AA90-609B5CD08B3D}"/>
+                <a16:creationId xmlns="" xmlns:a16="http://schemas.microsoft.com/office/drawing/2014/main" id="{AECF22D2-2B16-C40D-AA90-609B5CD08B3D}"/>
               </a:ext>
             </a:extLst>
           </p:cNvPr>
@@ -27478,7 +27467,7 @@
           <p:cNvPr id="4" name="Content Placeholder 3">
             <a:extLst>
               <a:ext uri="{FF2B5EF4-FFF2-40B4-BE49-F238E27FC236}">
-                <a16:creationId xmlns:a16="http://schemas.microsoft.com/office/drawing/2014/main" xmlns="" id="{5BCBFD5F-9247-485C-2171-C27843299D8B}"/>
+                <a16:creationId xmlns="" xmlns:a16="http://schemas.microsoft.com/office/drawing/2014/main" id="{5BCBFD5F-9247-485C-2171-C27843299D8B}"/>
               </a:ext>
             </a:extLst>
           </p:cNvPr>
@@ -28146,12 +28135,23 @@
 </file>
 
 <file path=customXml/item1.xml><?xml version="1.0" encoding="utf-8"?>
-<?mso-contentType ?>
-<FormTemplates xmlns="http://schemas.microsoft.com/sharepoint/v3/contenttype/forms">
-  <Display>DocumentLibraryForm</Display>
-  <Edit>DocumentLibraryForm</Edit>
-  <New>DocumentLibraryForm</New>
-</FormTemplates>
+<p:properties xmlns:p="http://schemas.microsoft.com/office/2006/metadata/properties" xmlns:xsi="http://www.w3.org/2001/XMLSchema-instance" xmlns:pc="http://schemas.microsoft.com/office/infopath/2007/PartnerControls">
+  <documentManagement>
+    <_ip_UnifiedCompliancePolicyUIAction xmlns="http://schemas.microsoft.com/sharepoint/v3" xsi:nil="true"/>
+    <Image xmlns="71af3243-3dd4-4a8d-8c0d-dd76da1f02a5">
+      <Url xsi:nil="true"/>
+      <Description xsi:nil="true"/>
+    </Image>
+    <Status xmlns="71af3243-3dd4-4a8d-8c0d-dd76da1f02a5">Not started</Status>
+    <Background xmlns="71af3243-3dd4-4a8d-8c0d-dd76da1f02a5">false</Background>
+    <_ip_UnifiedCompliancePolicyProperties xmlns="http://schemas.microsoft.com/sharepoint/v3" xsi:nil="true"/>
+    <ImageTagsTaxHTField xmlns="71af3243-3dd4-4a8d-8c0d-dd76da1f02a5">
+      <Terms xmlns="http://schemas.microsoft.com/office/infopath/2007/PartnerControls"/>
+    </ImageTagsTaxHTField>
+    <TaxCatchAll xmlns="230e9df3-be65-4c73-a93b-d1236ebd677e" xsi:nil="true"/>
+    <MediaServiceKeyPoints xmlns="71af3243-3dd4-4a8d-8c0d-dd76da1f02a5" xsi:nil="true"/>
+  </documentManagement>
+</p:properties>
 </file>
 
 <file path=customXml/item2.xml><?xml version="1.0" encoding="utf-8"?>
@@ -28461,29 +28461,22 @@
 </file>
 
 <file path=customXml/item3.xml><?xml version="1.0" encoding="utf-8"?>
-<p:properties xmlns:p="http://schemas.microsoft.com/office/2006/metadata/properties" xmlns:xsi="http://www.w3.org/2001/XMLSchema-instance" xmlns:pc="http://schemas.microsoft.com/office/infopath/2007/PartnerControls">
-  <documentManagement>
-    <_ip_UnifiedCompliancePolicyUIAction xmlns="http://schemas.microsoft.com/sharepoint/v3" xsi:nil="true"/>
-    <Image xmlns="71af3243-3dd4-4a8d-8c0d-dd76da1f02a5">
-      <Url xsi:nil="true"/>
-      <Description xsi:nil="true"/>
-    </Image>
-    <Status xmlns="71af3243-3dd4-4a8d-8c0d-dd76da1f02a5">Not started</Status>
-    <Background xmlns="71af3243-3dd4-4a8d-8c0d-dd76da1f02a5">false</Background>
-    <_ip_UnifiedCompliancePolicyProperties xmlns="http://schemas.microsoft.com/sharepoint/v3" xsi:nil="true"/>
-    <ImageTagsTaxHTField xmlns="71af3243-3dd4-4a8d-8c0d-dd76da1f02a5">
-      <Terms xmlns="http://schemas.microsoft.com/office/infopath/2007/PartnerControls"/>
-    </ImageTagsTaxHTField>
-    <TaxCatchAll xmlns="230e9df3-be65-4c73-a93b-d1236ebd677e" xsi:nil="true"/>
-    <MediaServiceKeyPoints xmlns="71af3243-3dd4-4a8d-8c0d-dd76da1f02a5" xsi:nil="true"/>
-  </documentManagement>
-</p:properties>
+<?mso-contentType ?>
+<FormTemplates xmlns="http://schemas.microsoft.com/sharepoint/v3/contenttype/forms">
+  <Display>DocumentLibraryForm</Display>
+  <Edit>DocumentLibraryForm</Edit>
+  <New>DocumentLibraryForm</New>
+</FormTemplates>
 </file>
 
 <file path=customXml/itemProps1.xml><?xml version="1.0" encoding="utf-8"?>
-<ds:datastoreItem xmlns:ds="http://schemas.openxmlformats.org/officeDocument/2006/customXml" ds:itemID="{A1D2ED2F-BDEE-47B8-82AA-B088E838B0E6}">
+<ds:datastoreItem xmlns:ds="http://schemas.openxmlformats.org/officeDocument/2006/customXml" ds:itemID="{FD7EB4D8-2DC8-4900-B296-3F8E8CD9E6AE}">
   <ds:schemaRefs>
-    <ds:schemaRef ds:uri="http://schemas.microsoft.com/sharepoint/v3/contenttype/forms"/>
+    <ds:schemaRef ds:uri="http://schemas.microsoft.com/office/2006/metadata/properties"/>
+    <ds:schemaRef ds:uri="http://schemas.microsoft.com/office/infopath/2007/PartnerControls"/>
+    <ds:schemaRef ds:uri="http://schemas.microsoft.com/sharepoint/v3"/>
+    <ds:schemaRef ds:uri="71af3243-3dd4-4a8d-8c0d-dd76da1f02a5"/>
+    <ds:schemaRef ds:uri="230e9df3-be65-4c73-a93b-d1236ebd677e"/>
   </ds:schemaRefs>
 </ds:datastoreItem>
 </file>
@@ -28510,13 +28503,9 @@
 </file>
 
 <file path=customXml/itemProps3.xml><?xml version="1.0" encoding="utf-8"?>
-<ds:datastoreItem xmlns:ds="http://schemas.openxmlformats.org/officeDocument/2006/customXml" ds:itemID="{FD7EB4D8-2DC8-4900-B296-3F8E8CD9E6AE}">
+<ds:datastoreItem xmlns:ds="http://schemas.openxmlformats.org/officeDocument/2006/customXml" ds:itemID="{A1D2ED2F-BDEE-47B8-82AA-B088E838B0E6}">
   <ds:schemaRefs>
-    <ds:schemaRef ds:uri="http://schemas.microsoft.com/office/2006/metadata/properties"/>
-    <ds:schemaRef ds:uri="http://schemas.microsoft.com/office/infopath/2007/PartnerControls"/>
-    <ds:schemaRef ds:uri="http://schemas.microsoft.com/sharepoint/v3"/>
-    <ds:schemaRef ds:uri="71af3243-3dd4-4a8d-8c0d-dd76da1f02a5"/>
-    <ds:schemaRef ds:uri="230e9df3-be65-4c73-a93b-d1236ebd677e"/>
+    <ds:schemaRef ds:uri="http://schemas.microsoft.com/sharepoint/v3/contenttype/forms"/>
   </ds:schemaRefs>
 </ds:datastoreItem>
 </file>
